--- a/doc/Task14/Task 14_orange.pptx
+++ b/doc/Task14/Task 14_orange.pptx
@@ -5,7 +5,7 @@
     <p:sldMasterId id="2147483648" r:id="rId1"/>
   </p:sldMasterIdLst>
   <p:notesMasterIdLst>
-    <p:notesMasterId r:id="rId13"/>
+    <p:notesMasterId r:id="rId10"/>
   </p:notesMasterIdLst>
   <p:sldIdLst>
     <p:sldId id="256" r:id="rId2"/>
@@ -13,12 +13,9 @@
     <p:sldId id="260" r:id="rId4"/>
     <p:sldId id="276" r:id="rId5"/>
     <p:sldId id="277" r:id="rId6"/>
-    <p:sldId id="270" r:id="rId7"/>
-    <p:sldId id="272" r:id="rId8"/>
-    <p:sldId id="273" r:id="rId9"/>
-    <p:sldId id="274" r:id="rId10"/>
-    <p:sldId id="275" r:id="rId11"/>
-    <p:sldId id="271" r:id="rId12"/>
+    <p:sldId id="279" r:id="rId7"/>
+    <p:sldId id="270" r:id="rId8"/>
+    <p:sldId id="271" r:id="rId9"/>
   </p:sldIdLst>
   <p:sldSz cx="12192000" cy="6858000"/>
   <p:notesSz cx="6858000" cy="9144000"/>
@@ -221,7 +218,7 @@
           <a:p>
             <a:fld id="{D5004A52-75F1-4096-BB87-5B9737C99670}" type="datetimeFigureOut">
               <a:rPr lang="de-CH" smtClean="0"/>
-              <a:t>14.06.2016</a:t>
+              <a:t>15.06.2016</a:t>
             </a:fld>
             <a:endParaRPr lang="de-CH"/>
           </a:p>
@@ -620,7 +617,7 @@
           <a:p>
             <a:fld id="{0800F014-B612-4199-8E75-E06EF3B223CF}" type="datetimeFigureOut">
               <a:rPr lang="de-CH" smtClean="0"/>
-              <a:t>14.06.2016</a:t>
+              <a:t>15.06.2016</a:t>
             </a:fld>
             <a:endParaRPr lang="de-CH"/>
           </a:p>
@@ -837,7 +834,7 @@
           <a:p>
             <a:fld id="{0800F014-B612-4199-8E75-E06EF3B223CF}" type="datetimeFigureOut">
               <a:rPr lang="de-CH" smtClean="0"/>
-              <a:t>14.06.2016</a:t>
+              <a:t>15.06.2016</a:t>
             </a:fld>
             <a:endParaRPr lang="de-CH"/>
           </a:p>
@@ -1017,7 +1014,7 @@
           <a:p>
             <a:fld id="{0800F014-B612-4199-8E75-E06EF3B223CF}" type="datetimeFigureOut">
               <a:rPr lang="de-CH" smtClean="0"/>
-              <a:t>14.06.2016</a:t>
+              <a:t>15.06.2016</a:t>
             </a:fld>
             <a:endParaRPr lang="de-CH"/>
           </a:p>
@@ -1187,7 +1184,7 @@
           <a:p>
             <a:fld id="{0800F014-B612-4199-8E75-E06EF3B223CF}" type="datetimeFigureOut">
               <a:rPr lang="de-CH" smtClean="0"/>
-              <a:t>14.06.2016</a:t>
+              <a:t>15.06.2016</a:t>
             </a:fld>
             <a:endParaRPr lang="de-CH"/>
           </a:p>
@@ -1480,7 +1477,7 @@
           <a:p>
             <a:fld id="{0800F014-B612-4199-8E75-E06EF3B223CF}" type="datetimeFigureOut">
               <a:rPr lang="de-CH" smtClean="0"/>
-              <a:t>14.06.2016</a:t>
+              <a:t>15.06.2016</a:t>
             </a:fld>
             <a:endParaRPr lang="de-CH"/>
           </a:p>
@@ -1712,7 +1709,7 @@
           <a:p>
             <a:fld id="{0800F014-B612-4199-8E75-E06EF3B223CF}" type="datetimeFigureOut">
               <a:rPr lang="de-CH" smtClean="0"/>
-              <a:t>14.06.2016</a:t>
+              <a:t>15.06.2016</a:t>
             </a:fld>
             <a:endParaRPr lang="de-CH"/>
           </a:p>
@@ -2079,7 +2076,7 @@
           <a:p>
             <a:fld id="{0800F014-B612-4199-8E75-E06EF3B223CF}" type="datetimeFigureOut">
               <a:rPr lang="de-CH" smtClean="0"/>
-              <a:t>14.06.2016</a:t>
+              <a:t>15.06.2016</a:t>
             </a:fld>
             <a:endParaRPr lang="de-CH"/>
           </a:p>
@@ -2197,7 +2194,7 @@
           <a:p>
             <a:fld id="{0800F014-B612-4199-8E75-E06EF3B223CF}" type="datetimeFigureOut">
               <a:rPr lang="de-CH" smtClean="0"/>
-              <a:t>14.06.2016</a:t>
+              <a:t>15.06.2016</a:t>
             </a:fld>
             <a:endParaRPr lang="de-CH"/>
           </a:p>
@@ -2292,7 +2289,7 @@
           <a:p>
             <a:fld id="{0800F014-B612-4199-8E75-E06EF3B223CF}" type="datetimeFigureOut">
               <a:rPr lang="de-CH" smtClean="0"/>
-              <a:t>14.06.2016</a:t>
+              <a:t>15.06.2016</a:t>
             </a:fld>
             <a:endParaRPr lang="de-CH"/>
           </a:p>
@@ -2569,7 +2566,7 @@
           <a:p>
             <a:fld id="{0800F014-B612-4199-8E75-E06EF3B223CF}" type="datetimeFigureOut">
               <a:rPr lang="de-CH" smtClean="0"/>
-              <a:t>14.06.2016</a:t>
+              <a:t>15.06.2016</a:t>
             </a:fld>
             <a:endParaRPr lang="de-CH"/>
           </a:p>
@@ -2822,7 +2819,7 @@
           <a:p>
             <a:fld id="{0800F014-B612-4199-8E75-E06EF3B223CF}" type="datetimeFigureOut">
               <a:rPr lang="de-CH" smtClean="0"/>
-              <a:t>14.06.2016</a:t>
+              <a:t>15.06.2016</a:t>
             </a:fld>
             <a:endParaRPr lang="de-CH"/>
           </a:p>
@@ -3035,7 +3032,7 @@
           <a:p>
             <a:fld id="{0800F014-B612-4199-8E75-E06EF3B223CF}" type="datetimeFigureOut">
               <a:rPr lang="de-CH" smtClean="0"/>
-              <a:t>14.06.2016</a:t>
+              <a:t>15.06.2016</a:t>
             </a:fld>
             <a:endParaRPr lang="de-CH"/>
           </a:p>
@@ -3545,11 +3542,7 @@
           <a:p>
             <a:r>
               <a:rPr lang="de-CH" dirty="0" smtClean="0"/>
-              <a:t>Mittwoch, </a:t>
-            </a:r>
-            <a:r>
-              <a:rPr lang="de-CH" dirty="0" smtClean="0"/>
-              <a:t>15.06.2016</a:t>
+              <a:t>Mittwoch, 15.06.2016</a:t>
             </a:r>
             <a:endParaRPr lang="de-CH" dirty="0"/>
           </a:p>
@@ -3603,7 +3596,7 @@
 </p:sld>
 </file>
 
-<file path=ppt/slides/slide10.xml><?xml version="1.0" encoding="utf-8"?>
+<file path=ppt/slides/slide2.xml><?xml version="1.0" encoding="utf-8"?>
 <p:sld xmlns:a="http://schemas.openxmlformats.org/drawingml/2006/main" xmlns:r="http://schemas.openxmlformats.org/officeDocument/2006/relationships" xmlns:p="http://schemas.openxmlformats.org/presentationml/2006/main">
   <p:cSld>
     <p:spTree>
@@ -3620,52 +3613,6 @@
           <a:chExt cx="0" cy="0"/>
         </a:xfrm>
       </p:grpSpPr>
-      <p:sp>
-        <p:nvSpPr>
-          <p:cNvPr id="2" name="Titel 1"/>
-          <p:cNvSpPr>
-            <a:spLocks noGrp="1"/>
-          </p:cNvSpPr>
-          <p:nvPr>
-            <p:ph type="title"/>
-          </p:nvPr>
-        </p:nvSpPr>
-        <p:spPr>
-          <a:xfrm>
-            <a:off x="598516" y="531617"/>
-            <a:ext cx="10515600" cy="922151"/>
-          </a:xfrm>
-        </p:spPr>
-        <p:txBody>
-          <a:bodyPr>
-            <a:normAutofit/>
-          </a:bodyPr>
-          <a:lstStyle/>
-          <a:p>
-            <a:pPr>
-              <a:lnSpc>
-                <a:spcPct val="100000"/>
-              </a:lnSpc>
-              <a:tabLst>
-                <a:tab pos="7440613" algn="r"/>
-              </a:tabLst>
-            </a:pPr>
-            <a:r>
-              <a:rPr lang="de-CH" sz="3000" b="1" dirty="0" smtClean="0">
-                <a:solidFill>
-                  <a:srgbClr val="FF6600"/>
-                </a:solidFill>
-              </a:rPr>
-              <a:t>Anna</a:t>
-            </a:r>
-            <a:endParaRPr lang="de-CH" sz="3000" dirty="0">
-              <a:solidFill>
-                <a:srgbClr val="FF6600"/>
-              </a:solidFill>
-            </a:endParaRPr>
-          </a:p>
-        </p:txBody>
-      </p:sp>
       <p:sp>
         <p:nvSpPr>
           <p:cNvPr id="4" name="Inhaltsplatzhalter 2"/>
@@ -3964,7 +3911,7 @@
         </p:nvSpPr>
         <p:spPr>
           <a:xfrm flipH="1">
-            <a:off x="3867972" y="2570480"/>
+            <a:off x="3819264" y="2490638"/>
             <a:ext cx="71120" cy="3684734"/>
           </a:xfrm>
           <a:prstGeom prst="rect">
@@ -4206,861 +4153,6 @@
         </p:nvSpPr>
         <p:spPr>
           <a:xfrm>
-            <a:off x="1378800" y="1231200"/>
-            <a:ext cx="10515600" cy="4351338"/>
-          </a:xfrm>
-          <a:prstGeom prst="rect">
-            <a:avLst/>
-          </a:prstGeom>
-        </p:spPr>
-        <p:txBody>
-          <a:bodyPr vert="horz" lIns="91440" tIns="45720" rIns="91440" bIns="45720" rtlCol="0">
-            <a:normAutofit/>
-          </a:bodyPr>
-          <a:lstStyle>
-            <a:lvl1pPr marL="228600" indent="-228600" algn="l" defTabSz="914400" rtl="0" eaLnBrk="1" latinLnBrk="0" hangingPunct="1">
-              <a:lnSpc>
-                <a:spcPct val="90000"/>
-              </a:lnSpc>
-              <a:spcBef>
-                <a:spcPts val="1000"/>
-              </a:spcBef>
-              <a:buFont typeface="Arial" panose="020B0604020202020204" pitchFamily="34" charset="0"/>
-              <a:buChar char="•"/>
-              <a:defRPr sz="2800" kern="1200">
-                <a:solidFill>
-                  <a:schemeClr val="tx1"/>
-                </a:solidFill>
-                <a:latin typeface="+mn-lt"/>
-                <a:ea typeface="+mn-ea"/>
-                <a:cs typeface="+mn-cs"/>
-              </a:defRPr>
-            </a:lvl1pPr>
-            <a:lvl2pPr marL="685800" indent="-228600" algn="l" defTabSz="914400" rtl="0" eaLnBrk="1" latinLnBrk="0" hangingPunct="1">
-              <a:lnSpc>
-                <a:spcPct val="90000"/>
-              </a:lnSpc>
-              <a:spcBef>
-                <a:spcPts val="500"/>
-              </a:spcBef>
-              <a:buFont typeface="Arial" panose="020B0604020202020204" pitchFamily="34" charset="0"/>
-              <a:buChar char="•"/>
-              <a:defRPr sz="2400" kern="1200">
-                <a:solidFill>
-                  <a:schemeClr val="tx1"/>
-                </a:solidFill>
-                <a:latin typeface="+mn-lt"/>
-                <a:ea typeface="+mn-ea"/>
-                <a:cs typeface="+mn-cs"/>
-              </a:defRPr>
-            </a:lvl2pPr>
-            <a:lvl3pPr marL="1143000" indent="-228600" algn="l" defTabSz="914400" rtl="0" eaLnBrk="1" latinLnBrk="0" hangingPunct="1">
-              <a:lnSpc>
-                <a:spcPct val="90000"/>
-              </a:lnSpc>
-              <a:spcBef>
-                <a:spcPts val="500"/>
-              </a:spcBef>
-              <a:buFont typeface="Arial" panose="020B0604020202020204" pitchFamily="34" charset="0"/>
-              <a:buChar char="•"/>
-              <a:defRPr sz="2000" kern="1200">
-                <a:solidFill>
-                  <a:schemeClr val="tx1"/>
-                </a:solidFill>
-                <a:latin typeface="+mn-lt"/>
-                <a:ea typeface="+mn-ea"/>
-                <a:cs typeface="+mn-cs"/>
-              </a:defRPr>
-            </a:lvl3pPr>
-            <a:lvl4pPr marL="1600200" indent="-228600" algn="l" defTabSz="914400" rtl="0" eaLnBrk="1" latinLnBrk="0" hangingPunct="1">
-              <a:lnSpc>
-                <a:spcPct val="90000"/>
-              </a:lnSpc>
-              <a:spcBef>
-                <a:spcPts val="500"/>
-              </a:spcBef>
-              <a:buFont typeface="Arial" panose="020B0604020202020204" pitchFamily="34" charset="0"/>
-              <a:buChar char="•"/>
-              <a:defRPr sz="1800" kern="1200">
-                <a:solidFill>
-                  <a:schemeClr val="tx1"/>
-                </a:solidFill>
-                <a:latin typeface="+mn-lt"/>
-                <a:ea typeface="+mn-ea"/>
-                <a:cs typeface="+mn-cs"/>
-              </a:defRPr>
-            </a:lvl4pPr>
-            <a:lvl5pPr marL="2057400" indent="-228600" algn="l" defTabSz="914400" rtl="0" eaLnBrk="1" latinLnBrk="0" hangingPunct="1">
-              <a:lnSpc>
-                <a:spcPct val="90000"/>
-              </a:lnSpc>
-              <a:spcBef>
-                <a:spcPts val="500"/>
-              </a:spcBef>
-              <a:buFont typeface="Arial" panose="020B0604020202020204" pitchFamily="34" charset="0"/>
-              <a:buChar char="•"/>
-              <a:defRPr sz="1800" kern="1200">
-                <a:solidFill>
-                  <a:schemeClr val="tx1"/>
-                </a:solidFill>
-                <a:latin typeface="+mn-lt"/>
-                <a:ea typeface="+mn-ea"/>
-                <a:cs typeface="+mn-cs"/>
-              </a:defRPr>
-            </a:lvl5pPr>
-            <a:lvl6pPr marL="2514600" indent="-228600" algn="l" defTabSz="914400" rtl="0" eaLnBrk="1" latinLnBrk="0" hangingPunct="1">
-              <a:lnSpc>
-                <a:spcPct val="90000"/>
-              </a:lnSpc>
-              <a:spcBef>
-                <a:spcPts val="500"/>
-              </a:spcBef>
-              <a:buFont typeface="Arial" panose="020B0604020202020204" pitchFamily="34" charset="0"/>
-              <a:buChar char="•"/>
-              <a:defRPr sz="1800" kern="1200">
-                <a:solidFill>
-                  <a:schemeClr val="tx1"/>
-                </a:solidFill>
-                <a:latin typeface="+mn-lt"/>
-                <a:ea typeface="+mn-ea"/>
-                <a:cs typeface="+mn-cs"/>
-              </a:defRPr>
-            </a:lvl6pPr>
-            <a:lvl7pPr marL="2971800" indent="-228600" algn="l" defTabSz="914400" rtl="0" eaLnBrk="1" latinLnBrk="0" hangingPunct="1">
-              <a:lnSpc>
-                <a:spcPct val="90000"/>
-              </a:lnSpc>
-              <a:spcBef>
-                <a:spcPts val="500"/>
-              </a:spcBef>
-              <a:buFont typeface="Arial" panose="020B0604020202020204" pitchFamily="34" charset="0"/>
-              <a:buChar char="•"/>
-              <a:defRPr sz="1800" kern="1200">
-                <a:solidFill>
-                  <a:schemeClr val="tx1"/>
-                </a:solidFill>
-                <a:latin typeface="+mn-lt"/>
-                <a:ea typeface="+mn-ea"/>
-                <a:cs typeface="+mn-cs"/>
-              </a:defRPr>
-            </a:lvl7pPr>
-            <a:lvl8pPr marL="3429000" indent="-228600" algn="l" defTabSz="914400" rtl="0" eaLnBrk="1" latinLnBrk="0" hangingPunct="1">
-              <a:lnSpc>
-                <a:spcPct val="90000"/>
-              </a:lnSpc>
-              <a:spcBef>
-                <a:spcPts val="500"/>
-              </a:spcBef>
-              <a:buFont typeface="Arial" panose="020B0604020202020204" pitchFamily="34" charset="0"/>
-              <a:buChar char="•"/>
-              <a:defRPr sz="1800" kern="1200">
-                <a:solidFill>
-                  <a:schemeClr val="tx1"/>
-                </a:solidFill>
-                <a:latin typeface="+mn-lt"/>
-                <a:ea typeface="+mn-ea"/>
-                <a:cs typeface="+mn-cs"/>
-              </a:defRPr>
-            </a:lvl8pPr>
-            <a:lvl9pPr marL="3886200" indent="-228600" algn="l" defTabSz="914400" rtl="0" eaLnBrk="1" latinLnBrk="0" hangingPunct="1">
-              <a:lnSpc>
-                <a:spcPct val="90000"/>
-              </a:lnSpc>
-              <a:spcBef>
-                <a:spcPts val="500"/>
-              </a:spcBef>
-              <a:buFont typeface="Arial" panose="020B0604020202020204" pitchFamily="34" charset="0"/>
-              <a:buChar char="•"/>
-              <a:defRPr sz="1800" kern="1200">
-                <a:solidFill>
-                  <a:schemeClr val="tx1"/>
-                </a:solidFill>
-                <a:latin typeface="+mn-lt"/>
-                <a:ea typeface="+mn-ea"/>
-                <a:cs typeface="+mn-cs"/>
-              </a:defRPr>
-            </a:lvl9pPr>
-          </a:lstStyle>
-          <a:p>
-            <a:endParaRPr lang="de-CH" sz="2400" dirty="0" smtClean="0"/>
-          </a:p>
-        </p:txBody>
-      </p:sp>
-    </p:spTree>
-    <p:extLst>
-      <p:ext uri="{BB962C8B-B14F-4D97-AF65-F5344CB8AC3E}">
-        <p14:creationId xmlns:p14="http://schemas.microsoft.com/office/powerpoint/2010/main" val="3973363995"/>
-      </p:ext>
-    </p:extLst>
-  </p:cSld>
-  <p:clrMapOvr>
-    <a:masterClrMapping/>
-  </p:clrMapOvr>
-  <p:timing>
-    <p:tnLst>
-      <p:par>
-        <p:cTn id="1" dur="indefinite" restart="never" nodeType="tmRoot"/>
-      </p:par>
-    </p:tnLst>
-  </p:timing>
-</p:sld>
-</file>
-
-<file path=ppt/slides/slide11.xml><?xml version="1.0" encoding="utf-8"?>
-<p:sld xmlns:a="http://schemas.openxmlformats.org/drawingml/2006/main" xmlns:r="http://schemas.openxmlformats.org/officeDocument/2006/relationships" xmlns:p="http://schemas.openxmlformats.org/presentationml/2006/main">
-  <p:cSld>
-    <p:spTree>
-      <p:nvGrpSpPr>
-        <p:cNvPr id="1" name=""/>
-        <p:cNvGrpSpPr/>
-        <p:nvPr/>
-      </p:nvGrpSpPr>
-      <p:grpSpPr>
-        <a:xfrm>
-          <a:off x="0" y="0"/>
-          <a:ext cx="0" cy="0"/>
-          <a:chOff x="0" y="0"/>
-          <a:chExt cx="0" cy="0"/>
-        </a:xfrm>
-      </p:grpSpPr>
-      <p:sp>
-        <p:nvSpPr>
-          <p:cNvPr id="2" name="Titel 1"/>
-          <p:cNvSpPr>
-            <a:spLocks noGrp="1"/>
-          </p:cNvSpPr>
-          <p:nvPr>
-            <p:ph type="title"/>
-          </p:nvPr>
-        </p:nvSpPr>
-        <p:spPr/>
-        <p:txBody>
-          <a:bodyPr/>
-          <a:lstStyle/>
-          <a:p>
-            <a:r>
-              <a:rPr lang="de-CH" dirty="0" smtClean="0">
-                <a:solidFill>
-                  <a:srgbClr val="FF6600"/>
-                </a:solidFill>
-              </a:rPr>
-              <a:t>Demo</a:t>
-            </a:r>
-            <a:endParaRPr lang="en-US" dirty="0">
-              <a:solidFill>
-                <a:srgbClr val="FF6600"/>
-              </a:solidFill>
-            </a:endParaRPr>
-          </a:p>
-        </p:txBody>
-      </p:sp>
-      <p:sp>
-        <p:nvSpPr>
-          <p:cNvPr id="3" name="Inhaltsplatzhalter 2"/>
-          <p:cNvSpPr>
-            <a:spLocks noGrp="1"/>
-          </p:cNvSpPr>
-          <p:nvPr>
-            <p:ph idx="1"/>
-          </p:nvPr>
-        </p:nvSpPr>
-        <p:spPr/>
-        <p:txBody>
-          <a:bodyPr>
-            <a:normAutofit/>
-          </a:bodyPr>
-          <a:lstStyle/>
-          <a:p>
-            <a:r>
-              <a:rPr lang="de-CH" sz="3000" dirty="0" err="1" smtClean="0"/>
-              <a:t>Application</a:t>
-            </a:r>
-            <a:r>
-              <a:rPr lang="de-CH" sz="3000" dirty="0" smtClean="0"/>
-              <a:t> </a:t>
-            </a:r>
-            <a:r>
-              <a:rPr lang="de-CH" sz="3000" dirty="0" err="1" smtClean="0"/>
-              <a:t>mentalhealth</a:t>
-            </a:r>
-            <a:r>
-              <a:rPr lang="de-CH" sz="3000" dirty="0" smtClean="0"/>
-              <a:t> care</a:t>
-            </a:r>
-            <a:endParaRPr lang="en-US" sz="3000" dirty="0"/>
-          </a:p>
-        </p:txBody>
-      </p:sp>
-    </p:spTree>
-    <p:extLst>
-      <p:ext uri="{BB962C8B-B14F-4D97-AF65-F5344CB8AC3E}">
-        <p14:creationId xmlns:p14="http://schemas.microsoft.com/office/powerpoint/2010/main" val="3391282568"/>
-      </p:ext>
-    </p:extLst>
-  </p:cSld>
-  <p:clrMapOvr>
-    <a:masterClrMapping/>
-  </p:clrMapOvr>
-</p:sld>
-</file>
-
-<file path=ppt/slides/slide2.xml><?xml version="1.0" encoding="utf-8"?>
-<p:sld xmlns:a="http://schemas.openxmlformats.org/drawingml/2006/main" xmlns:r="http://schemas.openxmlformats.org/officeDocument/2006/relationships" xmlns:p="http://schemas.openxmlformats.org/presentationml/2006/main">
-  <p:cSld>
-    <p:spTree>
-      <p:nvGrpSpPr>
-        <p:cNvPr id="1" name=""/>
-        <p:cNvGrpSpPr/>
-        <p:nvPr/>
-      </p:nvGrpSpPr>
-      <p:grpSpPr>
-        <a:xfrm>
-          <a:off x="0" y="0"/>
-          <a:ext cx="0" cy="0"/>
-          <a:chOff x="0" y="0"/>
-          <a:chExt cx="0" cy="0"/>
-        </a:xfrm>
-      </p:grpSpPr>
-      <p:sp>
-        <p:nvSpPr>
-          <p:cNvPr id="4" name="Inhaltsplatzhalter 2"/>
-          <p:cNvSpPr txBox="1">
-            <a:spLocks/>
-          </p:cNvSpPr>
-          <p:nvPr/>
-        </p:nvSpPr>
-        <p:spPr>
-          <a:xfrm>
-            <a:off x="6096000" y="1825624"/>
-            <a:ext cx="4855029" cy="4351338"/>
-          </a:xfrm>
-          <a:prstGeom prst="rect">
-            <a:avLst/>
-          </a:prstGeom>
-        </p:spPr>
-        <p:txBody>
-          <a:bodyPr vert="horz" lIns="91440" tIns="45720" rIns="91440" bIns="45720" rtlCol="0">
-            <a:normAutofit/>
-          </a:bodyPr>
-          <a:lstStyle>
-            <a:lvl1pPr marL="228600" indent="-228600" algn="l" defTabSz="914400" rtl="0" eaLnBrk="1" latinLnBrk="0" hangingPunct="1">
-              <a:lnSpc>
-                <a:spcPct val="90000"/>
-              </a:lnSpc>
-              <a:spcBef>
-                <a:spcPts val="1000"/>
-              </a:spcBef>
-              <a:buFont typeface="Arial" panose="020B0604020202020204" pitchFamily="34" charset="0"/>
-              <a:buChar char="•"/>
-              <a:defRPr sz="2800" kern="1200">
-                <a:solidFill>
-                  <a:schemeClr val="tx1"/>
-                </a:solidFill>
-                <a:latin typeface="+mn-lt"/>
-                <a:ea typeface="+mn-ea"/>
-                <a:cs typeface="+mn-cs"/>
-              </a:defRPr>
-            </a:lvl1pPr>
-            <a:lvl2pPr marL="685800" indent="-228600" algn="l" defTabSz="914400" rtl="0" eaLnBrk="1" latinLnBrk="0" hangingPunct="1">
-              <a:lnSpc>
-                <a:spcPct val="90000"/>
-              </a:lnSpc>
-              <a:spcBef>
-                <a:spcPts val="500"/>
-              </a:spcBef>
-              <a:buFont typeface="Arial" panose="020B0604020202020204" pitchFamily="34" charset="0"/>
-              <a:buChar char="•"/>
-              <a:defRPr sz="2400" kern="1200">
-                <a:solidFill>
-                  <a:schemeClr val="tx1"/>
-                </a:solidFill>
-                <a:latin typeface="+mn-lt"/>
-                <a:ea typeface="+mn-ea"/>
-                <a:cs typeface="+mn-cs"/>
-              </a:defRPr>
-            </a:lvl2pPr>
-            <a:lvl3pPr marL="1143000" indent="-228600" algn="l" defTabSz="914400" rtl="0" eaLnBrk="1" latinLnBrk="0" hangingPunct="1">
-              <a:lnSpc>
-                <a:spcPct val="90000"/>
-              </a:lnSpc>
-              <a:spcBef>
-                <a:spcPts val="500"/>
-              </a:spcBef>
-              <a:buFont typeface="Arial" panose="020B0604020202020204" pitchFamily="34" charset="0"/>
-              <a:buChar char="•"/>
-              <a:defRPr sz="2000" kern="1200">
-                <a:solidFill>
-                  <a:schemeClr val="tx1"/>
-                </a:solidFill>
-                <a:latin typeface="+mn-lt"/>
-                <a:ea typeface="+mn-ea"/>
-                <a:cs typeface="+mn-cs"/>
-              </a:defRPr>
-            </a:lvl3pPr>
-            <a:lvl4pPr marL="1600200" indent="-228600" algn="l" defTabSz="914400" rtl="0" eaLnBrk="1" latinLnBrk="0" hangingPunct="1">
-              <a:lnSpc>
-                <a:spcPct val="90000"/>
-              </a:lnSpc>
-              <a:spcBef>
-                <a:spcPts val="500"/>
-              </a:spcBef>
-              <a:buFont typeface="Arial" panose="020B0604020202020204" pitchFamily="34" charset="0"/>
-              <a:buChar char="•"/>
-              <a:defRPr sz="1800" kern="1200">
-                <a:solidFill>
-                  <a:schemeClr val="tx1"/>
-                </a:solidFill>
-                <a:latin typeface="+mn-lt"/>
-                <a:ea typeface="+mn-ea"/>
-                <a:cs typeface="+mn-cs"/>
-              </a:defRPr>
-            </a:lvl4pPr>
-            <a:lvl5pPr marL="2057400" indent="-228600" algn="l" defTabSz="914400" rtl="0" eaLnBrk="1" latinLnBrk="0" hangingPunct="1">
-              <a:lnSpc>
-                <a:spcPct val="90000"/>
-              </a:lnSpc>
-              <a:spcBef>
-                <a:spcPts val="500"/>
-              </a:spcBef>
-              <a:buFont typeface="Arial" panose="020B0604020202020204" pitchFamily="34" charset="0"/>
-              <a:buChar char="•"/>
-              <a:defRPr sz="1800" kern="1200">
-                <a:solidFill>
-                  <a:schemeClr val="tx1"/>
-                </a:solidFill>
-                <a:latin typeface="+mn-lt"/>
-                <a:ea typeface="+mn-ea"/>
-                <a:cs typeface="+mn-cs"/>
-              </a:defRPr>
-            </a:lvl5pPr>
-            <a:lvl6pPr marL="2514600" indent="-228600" algn="l" defTabSz="914400" rtl="0" eaLnBrk="1" latinLnBrk="0" hangingPunct="1">
-              <a:lnSpc>
-                <a:spcPct val="90000"/>
-              </a:lnSpc>
-              <a:spcBef>
-                <a:spcPts val="500"/>
-              </a:spcBef>
-              <a:buFont typeface="Arial" panose="020B0604020202020204" pitchFamily="34" charset="0"/>
-              <a:buChar char="•"/>
-              <a:defRPr sz="1800" kern="1200">
-                <a:solidFill>
-                  <a:schemeClr val="tx1"/>
-                </a:solidFill>
-                <a:latin typeface="+mn-lt"/>
-                <a:ea typeface="+mn-ea"/>
-                <a:cs typeface="+mn-cs"/>
-              </a:defRPr>
-            </a:lvl6pPr>
-            <a:lvl7pPr marL="2971800" indent="-228600" algn="l" defTabSz="914400" rtl="0" eaLnBrk="1" latinLnBrk="0" hangingPunct="1">
-              <a:lnSpc>
-                <a:spcPct val="90000"/>
-              </a:lnSpc>
-              <a:spcBef>
-                <a:spcPts val="500"/>
-              </a:spcBef>
-              <a:buFont typeface="Arial" panose="020B0604020202020204" pitchFamily="34" charset="0"/>
-              <a:buChar char="•"/>
-              <a:defRPr sz="1800" kern="1200">
-                <a:solidFill>
-                  <a:schemeClr val="tx1"/>
-                </a:solidFill>
-                <a:latin typeface="+mn-lt"/>
-                <a:ea typeface="+mn-ea"/>
-                <a:cs typeface="+mn-cs"/>
-              </a:defRPr>
-            </a:lvl7pPr>
-            <a:lvl8pPr marL="3429000" indent="-228600" algn="l" defTabSz="914400" rtl="0" eaLnBrk="1" latinLnBrk="0" hangingPunct="1">
-              <a:lnSpc>
-                <a:spcPct val="90000"/>
-              </a:lnSpc>
-              <a:spcBef>
-                <a:spcPts val="500"/>
-              </a:spcBef>
-              <a:buFont typeface="Arial" panose="020B0604020202020204" pitchFamily="34" charset="0"/>
-              <a:buChar char="•"/>
-              <a:defRPr sz="1800" kern="1200">
-                <a:solidFill>
-                  <a:schemeClr val="tx1"/>
-                </a:solidFill>
-                <a:latin typeface="+mn-lt"/>
-                <a:ea typeface="+mn-ea"/>
-                <a:cs typeface="+mn-cs"/>
-              </a:defRPr>
-            </a:lvl8pPr>
-            <a:lvl9pPr marL="3886200" indent="-228600" algn="l" defTabSz="914400" rtl="0" eaLnBrk="1" latinLnBrk="0" hangingPunct="1">
-              <a:lnSpc>
-                <a:spcPct val="90000"/>
-              </a:lnSpc>
-              <a:spcBef>
-                <a:spcPts val="500"/>
-              </a:spcBef>
-              <a:buFont typeface="Arial" panose="020B0604020202020204" pitchFamily="34" charset="0"/>
-              <a:buChar char="•"/>
-              <a:defRPr sz="1800" kern="1200">
-                <a:solidFill>
-                  <a:schemeClr val="tx1"/>
-                </a:solidFill>
-                <a:latin typeface="+mn-lt"/>
-                <a:ea typeface="+mn-ea"/>
-                <a:cs typeface="+mn-cs"/>
-              </a:defRPr>
-            </a:lvl9pPr>
-          </a:lstStyle>
-          <a:p>
-            <a:pPr marL="0" indent="0">
-              <a:buFont typeface="Arial" panose="020B0604020202020204" pitchFamily="34" charset="0"/>
-              <a:buNone/>
-            </a:pPr>
-            <a:endParaRPr lang="de-CH" dirty="0"/>
-          </a:p>
-        </p:txBody>
-      </p:sp>
-      <p:sp>
-        <p:nvSpPr>
-          <p:cNvPr id="9" name="Rechteck 8"/>
-          <p:cNvSpPr/>
-          <p:nvPr/>
-        </p:nvSpPr>
-        <p:spPr>
-          <a:xfrm flipH="1">
-            <a:off x="3911600" y="1696720"/>
-            <a:ext cx="71120" cy="3684734"/>
-          </a:xfrm>
-          <a:prstGeom prst="rect">
-            <a:avLst/>
-          </a:prstGeom>
-          <a:solidFill>
-            <a:schemeClr val="bg1"/>
-          </a:solidFill>
-          <a:ln>
-            <a:solidFill>
-              <a:schemeClr val="bg1"/>
-            </a:solidFill>
-          </a:ln>
-        </p:spPr>
-        <p:style>
-          <a:lnRef idx="2">
-            <a:schemeClr val="accent1">
-              <a:shade val="50000"/>
-            </a:schemeClr>
-          </a:lnRef>
-          <a:fillRef idx="1">
-            <a:schemeClr val="accent1"/>
-          </a:fillRef>
-          <a:effectRef idx="0">
-            <a:schemeClr val="accent1"/>
-          </a:effectRef>
-          <a:fontRef idx="minor">
-            <a:schemeClr val="lt1"/>
-          </a:fontRef>
-        </p:style>
-        <p:txBody>
-          <a:bodyPr rtlCol="0" anchor="ctr"/>
-          <a:lstStyle/>
-          <a:p>
-            <a:pPr algn="ctr"/>
-            <a:endParaRPr lang="de-CH"/>
-          </a:p>
-        </p:txBody>
-      </p:sp>
-      <p:sp>
-        <p:nvSpPr>
-          <p:cNvPr id="10" name="Rechteck 9"/>
-          <p:cNvSpPr/>
-          <p:nvPr/>
-        </p:nvSpPr>
-        <p:spPr>
-          <a:xfrm flipH="1">
-            <a:off x="3895464" y="1524000"/>
-            <a:ext cx="71120" cy="3684734"/>
-          </a:xfrm>
-          <a:prstGeom prst="rect">
-            <a:avLst/>
-          </a:prstGeom>
-          <a:solidFill>
-            <a:schemeClr val="bg1"/>
-          </a:solidFill>
-          <a:ln>
-            <a:solidFill>
-              <a:schemeClr val="bg1"/>
-            </a:solidFill>
-          </a:ln>
-        </p:spPr>
-        <p:style>
-          <a:lnRef idx="2">
-            <a:schemeClr val="accent1">
-              <a:shade val="50000"/>
-            </a:schemeClr>
-          </a:lnRef>
-          <a:fillRef idx="1">
-            <a:schemeClr val="accent1"/>
-          </a:fillRef>
-          <a:effectRef idx="0">
-            <a:schemeClr val="accent1"/>
-          </a:effectRef>
-          <a:fontRef idx="minor">
-            <a:schemeClr val="lt1"/>
-          </a:fontRef>
-        </p:style>
-        <p:txBody>
-          <a:bodyPr rtlCol="0" anchor="ctr"/>
-          <a:lstStyle/>
-          <a:p>
-            <a:pPr algn="ctr"/>
-            <a:endParaRPr lang="de-CH"/>
-          </a:p>
-        </p:txBody>
-      </p:sp>
-      <p:sp>
-        <p:nvSpPr>
-          <p:cNvPr id="11" name="Rechteck 10"/>
-          <p:cNvSpPr/>
-          <p:nvPr/>
-        </p:nvSpPr>
-        <p:spPr>
-          <a:xfrm flipH="1">
-            <a:off x="3819264" y="2490638"/>
-            <a:ext cx="71120" cy="3684734"/>
-          </a:xfrm>
-          <a:prstGeom prst="rect">
-            <a:avLst/>
-          </a:prstGeom>
-          <a:solidFill>
-            <a:schemeClr val="bg1"/>
-          </a:solidFill>
-          <a:ln>
-            <a:solidFill>
-              <a:schemeClr val="bg1"/>
-            </a:solidFill>
-          </a:ln>
-        </p:spPr>
-        <p:style>
-          <a:lnRef idx="2">
-            <a:schemeClr val="accent1">
-              <a:shade val="50000"/>
-            </a:schemeClr>
-          </a:lnRef>
-          <a:fillRef idx="1">
-            <a:schemeClr val="accent1"/>
-          </a:fillRef>
-          <a:effectRef idx="0">
-            <a:schemeClr val="accent1"/>
-          </a:effectRef>
-          <a:fontRef idx="minor">
-            <a:schemeClr val="lt1"/>
-          </a:fontRef>
-        </p:style>
-        <p:txBody>
-          <a:bodyPr rtlCol="0" anchor="ctr"/>
-          <a:lstStyle/>
-          <a:p>
-            <a:pPr algn="ctr"/>
-            <a:endParaRPr lang="de-CH"/>
-          </a:p>
-        </p:txBody>
-      </p:sp>
-      <p:sp>
-        <p:nvSpPr>
-          <p:cNvPr id="12" name="Rechteck 11"/>
-          <p:cNvSpPr/>
-          <p:nvPr/>
-        </p:nvSpPr>
-        <p:spPr>
-          <a:xfrm flipV="1">
-            <a:off x="3819264" y="6369963"/>
-            <a:ext cx="152400" cy="115942"/>
-          </a:xfrm>
-          <a:prstGeom prst="rect">
-            <a:avLst/>
-          </a:prstGeom>
-          <a:solidFill>
-            <a:schemeClr val="bg1"/>
-          </a:solidFill>
-          <a:ln>
-            <a:solidFill>
-              <a:schemeClr val="bg1"/>
-            </a:solidFill>
-          </a:ln>
-        </p:spPr>
-        <p:style>
-          <a:lnRef idx="2">
-            <a:schemeClr val="accent1">
-              <a:shade val="50000"/>
-            </a:schemeClr>
-          </a:lnRef>
-          <a:fillRef idx="1">
-            <a:schemeClr val="accent1"/>
-          </a:fillRef>
-          <a:effectRef idx="0">
-            <a:schemeClr val="accent1"/>
-          </a:effectRef>
-          <a:fontRef idx="minor">
-            <a:schemeClr val="lt1"/>
-          </a:fontRef>
-        </p:style>
-        <p:txBody>
-          <a:bodyPr rtlCol="0" anchor="ctr"/>
-          <a:lstStyle/>
-          <a:p>
-            <a:pPr algn="ctr"/>
-            <a:endParaRPr lang="de-CH"/>
-          </a:p>
-        </p:txBody>
-      </p:sp>
-      <p:sp>
-        <p:nvSpPr>
-          <p:cNvPr id="14" name="Rechteck 13"/>
-          <p:cNvSpPr/>
-          <p:nvPr/>
-        </p:nvSpPr>
-        <p:spPr>
-          <a:xfrm flipV="1">
-            <a:off x="3819264" y="6328370"/>
-            <a:ext cx="152400" cy="115942"/>
-          </a:xfrm>
-          <a:prstGeom prst="rect">
-            <a:avLst/>
-          </a:prstGeom>
-          <a:solidFill>
-            <a:schemeClr val="bg1"/>
-          </a:solidFill>
-          <a:ln>
-            <a:solidFill>
-              <a:schemeClr val="bg1"/>
-            </a:solidFill>
-          </a:ln>
-        </p:spPr>
-        <p:style>
-          <a:lnRef idx="2">
-            <a:schemeClr val="accent1">
-              <a:shade val="50000"/>
-            </a:schemeClr>
-          </a:lnRef>
-          <a:fillRef idx="1">
-            <a:schemeClr val="accent1"/>
-          </a:fillRef>
-          <a:effectRef idx="0">
-            <a:schemeClr val="accent1"/>
-          </a:effectRef>
-          <a:fontRef idx="minor">
-            <a:schemeClr val="lt1"/>
-          </a:fontRef>
-        </p:style>
-        <p:txBody>
-          <a:bodyPr rtlCol="0" anchor="ctr"/>
-          <a:lstStyle/>
-          <a:p>
-            <a:pPr algn="ctr"/>
-            <a:endParaRPr lang="de-CH"/>
-          </a:p>
-        </p:txBody>
-      </p:sp>
-      <p:sp>
-        <p:nvSpPr>
-          <p:cNvPr id="15" name="Rechteck 14"/>
-          <p:cNvSpPr/>
-          <p:nvPr/>
-        </p:nvSpPr>
-        <p:spPr>
-          <a:xfrm flipH="1" flipV="1">
-            <a:off x="2163184" y="6490930"/>
-            <a:ext cx="152400" cy="193040"/>
-          </a:xfrm>
-          <a:prstGeom prst="rect">
-            <a:avLst/>
-          </a:prstGeom>
-          <a:solidFill>
-            <a:schemeClr val="bg1"/>
-          </a:solidFill>
-          <a:ln>
-            <a:solidFill>
-              <a:schemeClr val="bg1"/>
-            </a:solidFill>
-          </a:ln>
-        </p:spPr>
-        <p:style>
-          <a:lnRef idx="2">
-            <a:schemeClr val="accent1">
-              <a:shade val="50000"/>
-            </a:schemeClr>
-          </a:lnRef>
-          <a:fillRef idx="1">
-            <a:schemeClr val="accent1"/>
-          </a:fillRef>
-          <a:effectRef idx="0">
-            <a:schemeClr val="accent1"/>
-          </a:effectRef>
-          <a:fontRef idx="minor">
-            <a:schemeClr val="lt1"/>
-          </a:fontRef>
-        </p:style>
-        <p:txBody>
-          <a:bodyPr rtlCol="0" anchor="ctr"/>
-          <a:lstStyle/>
-          <a:p>
-            <a:pPr algn="ctr"/>
-            <a:endParaRPr lang="de-CH"/>
-          </a:p>
-        </p:txBody>
-      </p:sp>
-      <p:sp>
-        <p:nvSpPr>
-          <p:cNvPr id="17" name="Rechteck 16"/>
-          <p:cNvSpPr/>
-          <p:nvPr/>
-        </p:nvSpPr>
-        <p:spPr>
-          <a:xfrm flipV="1">
-            <a:off x="3819264" y="1295652"/>
-            <a:ext cx="376816" cy="155192"/>
-          </a:xfrm>
-          <a:prstGeom prst="rect">
-            <a:avLst/>
-          </a:prstGeom>
-          <a:solidFill>
-            <a:schemeClr val="bg1"/>
-          </a:solidFill>
-          <a:ln>
-            <a:solidFill>
-              <a:schemeClr val="bg1"/>
-            </a:solidFill>
-          </a:ln>
-        </p:spPr>
-        <p:style>
-          <a:lnRef idx="2">
-            <a:schemeClr val="accent1">
-              <a:shade val="50000"/>
-            </a:schemeClr>
-          </a:lnRef>
-          <a:fillRef idx="1">
-            <a:schemeClr val="accent1"/>
-          </a:fillRef>
-          <a:effectRef idx="0">
-            <a:schemeClr val="accent1"/>
-          </a:effectRef>
-          <a:fontRef idx="minor">
-            <a:schemeClr val="lt1"/>
-          </a:fontRef>
-        </p:style>
-        <p:txBody>
-          <a:bodyPr rtlCol="0" anchor="ctr"/>
-          <a:lstStyle/>
-          <a:p>
-            <a:pPr algn="ctr"/>
-            <a:endParaRPr lang="de-CH"/>
-          </a:p>
-        </p:txBody>
-      </p:sp>
-      <p:sp>
-        <p:nvSpPr>
-          <p:cNvPr id="13" name="Inhaltsplatzhalter 2"/>
-          <p:cNvSpPr txBox="1">
-            <a:spLocks/>
-          </p:cNvSpPr>
-          <p:nvPr/>
-        </p:nvSpPr>
-        <p:spPr>
-          <a:xfrm>
             <a:off x="1345549" y="1246501"/>
             <a:ext cx="10515600" cy="4351338"/>
           </a:xfrm>
@@ -5257,8 +4349,12 @@
               <a:t>Personal </a:t>
             </a:r>
             <a:r>
+              <a:rPr lang="de-CH" sz="3000" dirty="0" err="1"/>
+              <a:t>c</a:t>
+            </a:r>
+            <a:r>
               <a:rPr lang="de-CH" sz="3000" dirty="0" err="1" smtClean="0"/>
-              <a:t>Contribution</a:t>
+              <a:t>ontribution</a:t>
             </a:r>
             <a:endParaRPr lang="de-CH" sz="3000" dirty="0" smtClean="0"/>
           </a:p>
@@ -6102,8 +5198,29 @@
           <a:p>
             <a:r>
               <a:rPr lang="de-CH" sz="2400" dirty="0" smtClean="0"/>
-              <a:t>ungewohnt</a:t>
-            </a:r>
+              <a:t>Man hat etwas für den Kunden zum zeigen</a:t>
+            </a:r>
+          </a:p>
+          <a:p>
+            <a:r>
+              <a:rPr lang="de-CH" sz="2400" dirty="0" smtClean="0"/>
+              <a:t>Alle sprechen vom Gleichen (weniger Missverständnisse)</a:t>
+            </a:r>
+          </a:p>
+          <a:p>
+            <a:pPr marL="0" indent="0">
+              <a:buNone/>
+            </a:pPr>
+            <a:r>
+              <a:rPr lang="de-CH" sz="2400" dirty="0" smtClean="0"/>
+              <a:t> </a:t>
+            </a:r>
+          </a:p>
+          <a:p>
+            <a:endParaRPr lang="de-CH" sz="2400" dirty="0" smtClean="0"/>
+          </a:p>
+          <a:p>
+            <a:endParaRPr lang="de-CH" sz="2400" dirty="0" smtClean="0"/>
           </a:p>
           <a:p>
             <a:pPr marL="0" indent="0">
@@ -6957,7 +6074,26 @@
           <a:p>
             <a:r>
               <a:rPr lang="de-CH" sz="2400" dirty="0" smtClean="0"/>
-              <a:t>wichtig</a:t>
+              <a:t>Wichtig </a:t>
+            </a:r>
+          </a:p>
+          <a:p>
+            <a:r>
+              <a:rPr lang="de-CH" sz="2400" dirty="0" smtClean="0"/>
+              <a:t>Muss genau definiert werden</a:t>
+            </a:r>
+          </a:p>
+          <a:p>
+            <a:r>
+              <a:rPr lang="de-CH" sz="2400" dirty="0" smtClean="0"/>
+              <a:t>Schriftliche Absicherung</a:t>
+            </a:r>
+            <a:endParaRPr lang="de-CH" sz="2400" dirty="0" smtClean="0"/>
+          </a:p>
+          <a:p>
+            <a:r>
+              <a:rPr lang="de-CH" sz="2400" dirty="0" smtClean="0"/>
+              <a:t>Dokumentation zeitintensiv</a:t>
             </a:r>
           </a:p>
           <a:p>
@@ -7851,7 +6987,7 @@
           <a:p>
             <a:r>
               <a:rPr lang="de-CH" sz="2400" dirty="0" smtClean="0"/>
-              <a:t>Tasks genau beschreiben</a:t>
+              <a:t>Einarbeitung Framework</a:t>
             </a:r>
           </a:p>
           <a:p>
@@ -7859,12 +6995,9 @@
               <a:rPr lang="de-CH" sz="2400" dirty="0" smtClean="0"/>
               <a:t>Knappe Zeitressourcen</a:t>
             </a:r>
-            <a:r>
-              <a:rPr lang="de-CH" sz="2400" dirty="0" smtClean="0">
-                <a:sym typeface="Wingdings" panose="05000000000000000000" pitchFamily="2" charset="2"/>
-              </a:rPr>
-              <a:t> besser planen</a:t>
-            </a:r>
+            <a:endParaRPr lang="de-CH" sz="2400" dirty="0" smtClean="0">
+              <a:sym typeface="Wingdings" panose="05000000000000000000" pitchFamily="2" charset="2"/>
+            </a:endParaRPr>
           </a:p>
           <a:p>
             <a:r>
@@ -7968,7 +7101,15 @@
                   <a:srgbClr val="FF6600"/>
                 </a:solidFill>
               </a:rPr>
-              <a:t> - Implementation</a:t>
+              <a:t> </a:t>
+            </a:r>
+            <a:r>
+              <a:rPr lang="de-CH" sz="3000" b="1" dirty="0" smtClean="0">
+                <a:solidFill>
+                  <a:srgbClr val="FF6600"/>
+                </a:solidFill>
+              </a:rPr>
+              <a:t>– Implementation</a:t>
             </a:r>
             <a:endParaRPr lang="de-CH" sz="3000" dirty="0">
               <a:solidFill>
@@ -8017,60 +7158,6 @@
       </p:grpSpPr>
       <p:sp>
         <p:nvSpPr>
-          <p:cNvPr id="2" name="Titel 1"/>
-          <p:cNvSpPr>
-            <a:spLocks noGrp="1"/>
-          </p:cNvSpPr>
-          <p:nvPr>
-            <p:ph type="title"/>
-          </p:nvPr>
-        </p:nvSpPr>
-        <p:spPr>
-          <a:xfrm>
-            <a:off x="598516" y="531617"/>
-            <a:ext cx="10515600" cy="922151"/>
-          </a:xfrm>
-        </p:spPr>
-        <p:txBody>
-          <a:bodyPr>
-            <a:normAutofit/>
-          </a:bodyPr>
-          <a:lstStyle/>
-          <a:p>
-            <a:pPr>
-              <a:lnSpc>
-                <a:spcPct val="100000"/>
-              </a:lnSpc>
-              <a:tabLst>
-                <a:tab pos="7440613" algn="r"/>
-              </a:tabLst>
-            </a:pPr>
-            <a:r>
-              <a:rPr lang="de-CH" sz="3000" b="1" dirty="0" smtClean="0">
-                <a:solidFill>
-                  <a:srgbClr val="FF6600"/>
-                </a:solidFill>
-              </a:rPr>
-              <a:t>Personal </a:t>
-            </a:r>
-            <a:r>
-              <a:rPr lang="de-CH" sz="3000" b="1" dirty="0" err="1" smtClean="0">
-                <a:solidFill>
-                  <a:srgbClr val="FF6600"/>
-                </a:solidFill>
-              </a:rPr>
-              <a:t>contribution</a:t>
-            </a:r>
-            <a:endParaRPr lang="de-CH" sz="3000" dirty="0">
-              <a:solidFill>
-                <a:srgbClr val="FF6600"/>
-              </a:solidFill>
-            </a:endParaRPr>
-          </a:p>
-        </p:txBody>
-      </p:sp>
-      <p:sp>
-        <p:nvSpPr>
           <p:cNvPr id="4" name="Inhaltsplatzhalter 2"/>
           <p:cNvSpPr txBox="1">
             <a:spLocks/>
@@ -8320,7 +7407,7 @@
         <p:spPr>
           <a:xfrm flipH="1">
             <a:off x="3895464" y="1524000"/>
-            <a:ext cx="71120" cy="3684734"/>
+            <a:ext cx="3785496" cy="3684734"/>
           </a:xfrm>
           <a:prstGeom prst="rect">
             <a:avLst/>
@@ -8609,6 +7696,1165 @@
         </p:nvSpPr>
         <p:spPr>
           <a:xfrm>
+            <a:off x="1345549" y="1246501"/>
+            <a:ext cx="10515600" cy="4351338"/>
+          </a:xfrm>
+          <a:prstGeom prst="rect">
+            <a:avLst/>
+          </a:prstGeom>
+        </p:spPr>
+        <p:txBody>
+          <a:bodyPr vert="horz" lIns="91440" tIns="45720" rIns="91440" bIns="45720" rtlCol="0">
+            <a:normAutofit/>
+          </a:bodyPr>
+          <a:lstStyle>
+            <a:lvl1pPr marL="228600" indent="-228600" algn="l" defTabSz="914400" rtl="0" eaLnBrk="1" latinLnBrk="0" hangingPunct="1">
+              <a:lnSpc>
+                <a:spcPct val="90000"/>
+              </a:lnSpc>
+              <a:spcBef>
+                <a:spcPts val="1000"/>
+              </a:spcBef>
+              <a:buFont typeface="Arial" panose="020B0604020202020204" pitchFamily="34" charset="0"/>
+              <a:buChar char="•"/>
+              <a:defRPr sz="2800" kern="1200">
+                <a:solidFill>
+                  <a:schemeClr val="tx1"/>
+                </a:solidFill>
+                <a:latin typeface="+mn-lt"/>
+                <a:ea typeface="+mn-ea"/>
+                <a:cs typeface="+mn-cs"/>
+              </a:defRPr>
+            </a:lvl1pPr>
+            <a:lvl2pPr marL="685800" indent="-228600" algn="l" defTabSz="914400" rtl="0" eaLnBrk="1" latinLnBrk="0" hangingPunct="1">
+              <a:lnSpc>
+                <a:spcPct val="90000"/>
+              </a:lnSpc>
+              <a:spcBef>
+                <a:spcPts val="500"/>
+              </a:spcBef>
+              <a:buFont typeface="Arial" panose="020B0604020202020204" pitchFamily="34" charset="0"/>
+              <a:buChar char="•"/>
+              <a:defRPr sz="2400" kern="1200">
+                <a:solidFill>
+                  <a:schemeClr val="tx1"/>
+                </a:solidFill>
+                <a:latin typeface="+mn-lt"/>
+                <a:ea typeface="+mn-ea"/>
+                <a:cs typeface="+mn-cs"/>
+              </a:defRPr>
+            </a:lvl2pPr>
+            <a:lvl3pPr marL="1143000" indent="-228600" algn="l" defTabSz="914400" rtl="0" eaLnBrk="1" latinLnBrk="0" hangingPunct="1">
+              <a:lnSpc>
+                <a:spcPct val="90000"/>
+              </a:lnSpc>
+              <a:spcBef>
+                <a:spcPts val="500"/>
+              </a:spcBef>
+              <a:buFont typeface="Arial" panose="020B0604020202020204" pitchFamily="34" charset="0"/>
+              <a:buChar char="•"/>
+              <a:defRPr sz="2000" kern="1200">
+                <a:solidFill>
+                  <a:schemeClr val="tx1"/>
+                </a:solidFill>
+                <a:latin typeface="+mn-lt"/>
+                <a:ea typeface="+mn-ea"/>
+                <a:cs typeface="+mn-cs"/>
+              </a:defRPr>
+            </a:lvl3pPr>
+            <a:lvl4pPr marL="1600200" indent="-228600" algn="l" defTabSz="914400" rtl="0" eaLnBrk="1" latinLnBrk="0" hangingPunct="1">
+              <a:lnSpc>
+                <a:spcPct val="90000"/>
+              </a:lnSpc>
+              <a:spcBef>
+                <a:spcPts val="500"/>
+              </a:spcBef>
+              <a:buFont typeface="Arial" panose="020B0604020202020204" pitchFamily="34" charset="0"/>
+              <a:buChar char="•"/>
+              <a:defRPr sz="1800" kern="1200">
+                <a:solidFill>
+                  <a:schemeClr val="tx1"/>
+                </a:solidFill>
+                <a:latin typeface="+mn-lt"/>
+                <a:ea typeface="+mn-ea"/>
+                <a:cs typeface="+mn-cs"/>
+              </a:defRPr>
+            </a:lvl4pPr>
+            <a:lvl5pPr marL="2057400" indent="-228600" algn="l" defTabSz="914400" rtl="0" eaLnBrk="1" latinLnBrk="0" hangingPunct="1">
+              <a:lnSpc>
+                <a:spcPct val="90000"/>
+              </a:lnSpc>
+              <a:spcBef>
+                <a:spcPts val="500"/>
+              </a:spcBef>
+              <a:buFont typeface="Arial" panose="020B0604020202020204" pitchFamily="34" charset="0"/>
+              <a:buChar char="•"/>
+              <a:defRPr sz="1800" kern="1200">
+                <a:solidFill>
+                  <a:schemeClr val="tx1"/>
+                </a:solidFill>
+                <a:latin typeface="+mn-lt"/>
+                <a:ea typeface="+mn-ea"/>
+                <a:cs typeface="+mn-cs"/>
+              </a:defRPr>
+            </a:lvl5pPr>
+            <a:lvl6pPr marL="2514600" indent="-228600" algn="l" defTabSz="914400" rtl="0" eaLnBrk="1" latinLnBrk="0" hangingPunct="1">
+              <a:lnSpc>
+                <a:spcPct val="90000"/>
+              </a:lnSpc>
+              <a:spcBef>
+                <a:spcPts val="500"/>
+              </a:spcBef>
+              <a:buFont typeface="Arial" panose="020B0604020202020204" pitchFamily="34" charset="0"/>
+              <a:buChar char="•"/>
+              <a:defRPr sz="1800" kern="1200">
+                <a:solidFill>
+                  <a:schemeClr val="tx1"/>
+                </a:solidFill>
+                <a:latin typeface="+mn-lt"/>
+                <a:ea typeface="+mn-ea"/>
+                <a:cs typeface="+mn-cs"/>
+              </a:defRPr>
+            </a:lvl6pPr>
+            <a:lvl7pPr marL="2971800" indent="-228600" algn="l" defTabSz="914400" rtl="0" eaLnBrk="1" latinLnBrk="0" hangingPunct="1">
+              <a:lnSpc>
+                <a:spcPct val="90000"/>
+              </a:lnSpc>
+              <a:spcBef>
+                <a:spcPts val="500"/>
+              </a:spcBef>
+              <a:buFont typeface="Arial" panose="020B0604020202020204" pitchFamily="34" charset="0"/>
+              <a:buChar char="•"/>
+              <a:defRPr sz="1800" kern="1200">
+                <a:solidFill>
+                  <a:schemeClr val="tx1"/>
+                </a:solidFill>
+                <a:latin typeface="+mn-lt"/>
+                <a:ea typeface="+mn-ea"/>
+                <a:cs typeface="+mn-cs"/>
+              </a:defRPr>
+            </a:lvl7pPr>
+            <a:lvl8pPr marL="3429000" indent="-228600" algn="l" defTabSz="914400" rtl="0" eaLnBrk="1" latinLnBrk="0" hangingPunct="1">
+              <a:lnSpc>
+                <a:spcPct val="90000"/>
+              </a:lnSpc>
+              <a:spcBef>
+                <a:spcPts val="500"/>
+              </a:spcBef>
+              <a:buFont typeface="Arial" panose="020B0604020202020204" pitchFamily="34" charset="0"/>
+              <a:buChar char="•"/>
+              <a:defRPr sz="1800" kern="1200">
+                <a:solidFill>
+                  <a:schemeClr val="tx1"/>
+                </a:solidFill>
+                <a:latin typeface="+mn-lt"/>
+                <a:ea typeface="+mn-ea"/>
+                <a:cs typeface="+mn-cs"/>
+              </a:defRPr>
+            </a:lvl8pPr>
+            <a:lvl9pPr marL="3886200" indent="-228600" algn="l" defTabSz="914400" rtl="0" eaLnBrk="1" latinLnBrk="0" hangingPunct="1">
+              <a:lnSpc>
+                <a:spcPct val="90000"/>
+              </a:lnSpc>
+              <a:spcBef>
+                <a:spcPts val="500"/>
+              </a:spcBef>
+              <a:buFont typeface="Arial" panose="020B0604020202020204" pitchFamily="34" charset="0"/>
+              <a:buChar char="•"/>
+              <a:defRPr sz="1800" kern="1200">
+                <a:solidFill>
+                  <a:schemeClr val="tx1"/>
+                </a:solidFill>
+                <a:latin typeface="+mn-lt"/>
+                <a:ea typeface="+mn-ea"/>
+                <a:cs typeface="+mn-cs"/>
+              </a:defRPr>
+            </a:lvl9pPr>
+          </a:lstStyle>
+          <a:p>
+            <a:pPr marL="0" indent="0">
+              <a:buNone/>
+            </a:pPr>
+            <a:endParaRPr lang="de-CH" sz="2400" dirty="0" smtClean="0"/>
+          </a:p>
+        </p:txBody>
+      </p:sp>
+      <p:sp>
+        <p:nvSpPr>
+          <p:cNvPr id="16" name="Titel 1"/>
+          <p:cNvSpPr txBox="1">
+            <a:spLocks/>
+          </p:cNvSpPr>
+          <p:nvPr/>
+        </p:nvSpPr>
+        <p:spPr>
+          <a:xfrm>
+            <a:off x="598516" y="531617"/>
+            <a:ext cx="10515600" cy="922151"/>
+          </a:xfrm>
+          <a:prstGeom prst="rect">
+            <a:avLst/>
+          </a:prstGeom>
+        </p:spPr>
+        <p:txBody>
+          <a:bodyPr vert="horz" lIns="91440" tIns="45720" rIns="91440" bIns="45720" rtlCol="0" anchor="ctr">
+            <a:normAutofit/>
+          </a:bodyPr>
+          <a:lstStyle>
+            <a:lvl1pPr algn="l" defTabSz="914400" rtl="0" eaLnBrk="1" latinLnBrk="0" hangingPunct="1">
+              <a:lnSpc>
+                <a:spcPct val="90000"/>
+              </a:lnSpc>
+              <a:spcBef>
+                <a:spcPct val="0"/>
+              </a:spcBef>
+              <a:buNone/>
+              <a:defRPr sz="4400" kern="1200">
+                <a:solidFill>
+                  <a:schemeClr val="tx1"/>
+                </a:solidFill>
+                <a:latin typeface="+mj-lt"/>
+                <a:ea typeface="+mj-ea"/>
+                <a:cs typeface="+mj-cs"/>
+              </a:defRPr>
+            </a:lvl1pPr>
+          </a:lstStyle>
+          <a:p>
+            <a:pPr>
+              <a:lnSpc>
+                <a:spcPct val="100000"/>
+              </a:lnSpc>
+              <a:tabLst>
+                <a:tab pos="7440613" algn="r"/>
+              </a:tabLst>
+            </a:pPr>
+            <a:r>
+              <a:rPr lang="de-CH" sz="3000" b="1" dirty="0" err="1" smtClean="0">
+                <a:solidFill>
+                  <a:srgbClr val="FF6600"/>
+                </a:solidFill>
+              </a:rPr>
+              <a:t>Lessons</a:t>
+            </a:r>
+            <a:r>
+              <a:rPr lang="de-CH" sz="3000" b="1" dirty="0" smtClean="0">
+                <a:solidFill>
+                  <a:srgbClr val="FF6600"/>
+                </a:solidFill>
+              </a:rPr>
+              <a:t> </a:t>
+            </a:r>
+            <a:r>
+              <a:rPr lang="de-CH" sz="3000" b="1" dirty="0" err="1" smtClean="0">
+                <a:solidFill>
+                  <a:srgbClr val="FF6600"/>
+                </a:solidFill>
+              </a:rPr>
+              <a:t>learned</a:t>
+            </a:r>
+            <a:r>
+              <a:rPr lang="de-CH" sz="3000" b="1" dirty="0" smtClean="0">
+                <a:solidFill>
+                  <a:srgbClr val="FF6600"/>
+                </a:solidFill>
+              </a:rPr>
+              <a:t> </a:t>
+            </a:r>
+            <a:r>
+              <a:rPr lang="de-CH" sz="3000" b="1" dirty="0" smtClean="0">
+                <a:solidFill>
+                  <a:srgbClr val="FF6600"/>
+                </a:solidFill>
+              </a:rPr>
+              <a:t>– </a:t>
+            </a:r>
+            <a:r>
+              <a:rPr lang="de-CH" sz="3000" b="1" dirty="0" err="1" smtClean="0">
+                <a:solidFill>
+                  <a:srgbClr val="FF6600"/>
+                </a:solidFill>
+              </a:rPr>
+              <a:t>Scrum</a:t>
+            </a:r>
+            <a:r>
+              <a:rPr lang="de-CH" sz="3000" b="1" dirty="0" smtClean="0">
+                <a:solidFill>
+                  <a:srgbClr val="FF6600"/>
+                </a:solidFill>
+              </a:rPr>
+              <a:t> </a:t>
+            </a:r>
+            <a:r>
+              <a:rPr lang="de-CH" sz="3000" b="1" dirty="0" err="1" smtClean="0">
+                <a:solidFill>
+                  <a:srgbClr val="FF6600"/>
+                </a:solidFill>
+              </a:rPr>
+              <a:t>retrospective</a:t>
+            </a:r>
+            <a:endParaRPr lang="de-CH" sz="3000" dirty="0">
+              <a:solidFill>
+                <a:srgbClr val="FF6600"/>
+              </a:solidFill>
+            </a:endParaRPr>
+          </a:p>
+        </p:txBody>
+      </p:sp>
+      <p:sp>
+        <p:nvSpPr>
+          <p:cNvPr id="18" name="Inhaltsplatzhalter 2"/>
+          <p:cNvSpPr txBox="1">
+            <a:spLocks/>
+          </p:cNvSpPr>
+          <p:nvPr/>
+        </p:nvSpPr>
+        <p:spPr>
+          <a:xfrm>
+            <a:off x="1497949" y="1398901"/>
+            <a:ext cx="10515600" cy="4351338"/>
+          </a:xfrm>
+          <a:prstGeom prst="rect">
+            <a:avLst/>
+          </a:prstGeom>
+        </p:spPr>
+        <p:txBody>
+          <a:bodyPr vert="horz" lIns="91440" tIns="45720" rIns="91440" bIns="45720" rtlCol="0">
+            <a:normAutofit/>
+          </a:bodyPr>
+          <a:lstStyle>
+            <a:lvl1pPr marL="228600" indent="-228600" algn="l" defTabSz="914400" rtl="0" eaLnBrk="1" latinLnBrk="0" hangingPunct="1">
+              <a:lnSpc>
+                <a:spcPct val="90000"/>
+              </a:lnSpc>
+              <a:spcBef>
+                <a:spcPts val="1000"/>
+              </a:spcBef>
+              <a:buFont typeface="Arial" panose="020B0604020202020204" pitchFamily="34" charset="0"/>
+              <a:buChar char="•"/>
+              <a:defRPr sz="2800" kern="1200">
+                <a:solidFill>
+                  <a:schemeClr val="tx1"/>
+                </a:solidFill>
+                <a:latin typeface="+mn-lt"/>
+                <a:ea typeface="+mn-ea"/>
+                <a:cs typeface="+mn-cs"/>
+              </a:defRPr>
+            </a:lvl1pPr>
+            <a:lvl2pPr marL="685800" indent="-228600" algn="l" defTabSz="914400" rtl="0" eaLnBrk="1" latinLnBrk="0" hangingPunct="1">
+              <a:lnSpc>
+                <a:spcPct val="90000"/>
+              </a:lnSpc>
+              <a:spcBef>
+                <a:spcPts val="500"/>
+              </a:spcBef>
+              <a:buFont typeface="Arial" panose="020B0604020202020204" pitchFamily="34" charset="0"/>
+              <a:buChar char="•"/>
+              <a:defRPr sz="2400" kern="1200">
+                <a:solidFill>
+                  <a:schemeClr val="tx1"/>
+                </a:solidFill>
+                <a:latin typeface="+mn-lt"/>
+                <a:ea typeface="+mn-ea"/>
+                <a:cs typeface="+mn-cs"/>
+              </a:defRPr>
+            </a:lvl2pPr>
+            <a:lvl3pPr marL="1143000" indent="-228600" algn="l" defTabSz="914400" rtl="0" eaLnBrk="1" latinLnBrk="0" hangingPunct="1">
+              <a:lnSpc>
+                <a:spcPct val="90000"/>
+              </a:lnSpc>
+              <a:spcBef>
+                <a:spcPts val="500"/>
+              </a:spcBef>
+              <a:buFont typeface="Arial" panose="020B0604020202020204" pitchFamily="34" charset="0"/>
+              <a:buChar char="•"/>
+              <a:defRPr sz="2000" kern="1200">
+                <a:solidFill>
+                  <a:schemeClr val="tx1"/>
+                </a:solidFill>
+                <a:latin typeface="+mn-lt"/>
+                <a:ea typeface="+mn-ea"/>
+                <a:cs typeface="+mn-cs"/>
+              </a:defRPr>
+            </a:lvl3pPr>
+            <a:lvl4pPr marL="1600200" indent="-228600" algn="l" defTabSz="914400" rtl="0" eaLnBrk="1" latinLnBrk="0" hangingPunct="1">
+              <a:lnSpc>
+                <a:spcPct val="90000"/>
+              </a:lnSpc>
+              <a:spcBef>
+                <a:spcPts val="500"/>
+              </a:spcBef>
+              <a:buFont typeface="Arial" panose="020B0604020202020204" pitchFamily="34" charset="0"/>
+              <a:buChar char="•"/>
+              <a:defRPr sz="1800" kern="1200">
+                <a:solidFill>
+                  <a:schemeClr val="tx1"/>
+                </a:solidFill>
+                <a:latin typeface="+mn-lt"/>
+                <a:ea typeface="+mn-ea"/>
+                <a:cs typeface="+mn-cs"/>
+              </a:defRPr>
+            </a:lvl4pPr>
+            <a:lvl5pPr marL="2057400" indent="-228600" algn="l" defTabSz="914400" rtl="0" eaLnBrk="1" latinLnBrk="0" hangingPunct="1">
+              <a:lnSpc>
+                <a:spcPct val="90000"/>
+              </a:lnSpc>
+              <a:spcBef>
+                <a:spcPts val="500"/>
+              </a:spcBef>
+              <a:buFont typeface="Arial" panose="020B0604020202020204" pitchFamily="34" charset="0"/>
+              <a:buChar char="•"/>
+              <a:defRPr sz="1800" kern="1200">
+                <a:solidFill>
+                  <a:schemeClr val="tx1"/>
+                </a:solidFill>
+                <a:latin typeface="+mn-lt"/>
+                <a:ea typeface="+mn-ea"/>
+                <a:cs typeface="+mn-cs"/>
+              </a:defRPr>
+            </a:lvl5pPr>
+            <a:lvl6pPr marL="2514600" indent="-228600" algn="l" defTabSz="914400" rtl="0" eaLnBrk="1" latinLnBrk="0" hangingPunct="1">
+              <a:lnSpc>
+                <a:spcPct val="90000"/>
+              </a:lnSpc>
+              <a:spcBef>
+                <a:spcPts val="500"/>
+              </a:spcBef>
+              <a:buFont typeface="Arial" panose="020B0604020202020204" pitchFamily="34" charset="0"/>
+              <a:buChar char="•"/>
+              <a:defRPr sz="1800" kern="1200">
+                <a:solidFill>
+                  <a:schemeClr val="tx1"/>
+                </a:solidFill>
+                <a:latin typeface="+mn-lt"/>
+                <a:ea typeface="+mn-ea"/>
+                <a:cs typeface="+mn-cs"/>
+              </a:defRPr>
+            </a:lvl6pPr>
+            <a:lvl7pPr marL="2971800" indent="-228600" algn="l" defTabSz="914400" rtl="0" eaLnBrk="1" latinLnBrk="0" hangingPunct="1">
+              <a:lnSpc>
+                <a:spcPct val="90000"/>
+              </a:lnSpc>
+              <a:spcBef>
+                <a:spcPts val="500"/>
+              </a:spcBef>
+              <a:buFont typeface="Arial" panose="020B0604020202020204" pitchFamily="34" charset="0"/>
+              <a:buChar char="•"/>
+              <a:defRPr sz="1800" kern="1200">
+                <a:solidFill>
+                  <a:schemeClr val="tx1"/>
+                </a:solidFill>
+                <a:latin typeface="+mn-lt"/>
+                <a:ea typeface="+mn-ea"/>
+                <a:cs typeface="+mn-cs"/>
+              </a:defRPr>
+            </a:lvl7pPr>
+            <a:lvl8pPr marL="3429000" indent="-228600" algn="l" defTabSz="914400" rtl="0" eaLnBrk="1" latinLnBrk="0" hangingPunct="1">
+              <a:lnSpc>
+                <a:spcPct val="90000"/>
+              </a:lnSpc>
+              <a:spcBef>
+                <a:spcPts val="500"/>
+              </a:spcBef>
+              <a:buFont typeface="Arial" panose="020B0604020202020204" pitchFamily="34" charset="0"/>
+              <a:buChar char="•"/>
+              <a:defRPr sz="1800" kern="1200">
+                <a:solidFill>
+                  <a:schemeClr val="tx1"/>
+                </a:solidFill>
+                <a:latin typeface="+mn-lt"/>
+                <a:ea typeface="+mn-ea"/>
+                <a:cs typeface="+mn-cs"/>
+              </a:defRPr>
+            </a:lvl8pPr>
+            <a:lvl9pPr marL="3886200" indent="-228600" algn="l" defTabSz="914400" rtl="0" eaLnBrk="1" latinLnBrk="0" hangingPunct="1">
+              <a:lnSpc>
+                <a:spcPct val="90000"/>
+              </a:lnSpc>
+              <a:spcBef>
+                <a:spcPts val="500"/>
+              </a:spcBef>
+              <a:buFont typeface="Arial" panose="020B0604020202020204" pitchFamily="34" charset="0"/>
+              <a:buChar char="•"/>
+              <a:defRPr sz="1800" kern="1200">
+                <a:solidFill>
+                  <a:schemeClr val="tx1"/>
+                </a:solidFill>
+                <a:latin typeface="+mn-lt"/>
+                <a:ea typeface="+mn-ea"/>
+                <a:cs typeface="+mn-cs"/>
+              </a:defRPr>
+            </a:lvl9pPr>
+          </a:lstStyle>
+          <a:p>
+            <a:r>
+              <a:rPr lang="de-CH" sz="2400" dirty="0" smtClean="0"/>
+              <a:t>Sprintbacklog</a:t>
+            </a:r>
+            <a:r>
+              <a:rPr lang="de-CH" sz="2400" dirty="0" smtClean="0"/>
+              <a:t> gemäss Teamgrösse anpassen</a:t>
+            </a:r>
+          </a:p>
+          <a:p>
+            <a:r>
+              <a:rPr lang="de-CH" sz="2400" dirty="0" smtClean="0"/>
+              <a:t>Sprint Tasks genauer beschreiben</a:t>
+            </a:r>
+          </a:p>
+          <a:p>
+            <a:r>
+              <a:rPr lang="de-CH" sz="2400" dirty="0" smtClean="0"/>
+              <a:t>Gruppenchat</a:t>
+            </a:r>
+          </a:p>
+          <a:p>
+            <a:endParaRPr lang="de-CH" sz="2400" dirty="0" smtClean="0"/>
+          </a:p>
+          <a:p>
+            <a:pPr marL="0" indent="0">
+              <a:buNone/>
+            </a:pPr>
+            <a:endParaRPr lang="de-CH" sz="2400" dirty="0" smtClean="0"/>
+          </a:p>
+          <a:p>
+            <a:pPr marL="0" indent="0">
+              <a:buNone/>
+            </a:pPr>
+            <a:endParaRPr lang="de-CH" sz="2400" dirty="0" smtClean="0"/>
+          </a:p>
+        </p:txBody>
+      </p:sp>
+    </p:spTree>
+    <p:extLst>
+      <p:ext uri="{BB962C8B-B14F-4D97-AF65-F5344CB8AC3E}">
+        <p14:creationId xmlns:p14="http://schemas.microsoft.com/office/powerpoint/2010/main" val="3278205"/>
+      </p:ext>
+    </p:extLst>
+  </p:cSld>
+  <p:clrMapOvr>
+    <a:masterClrMapping/>
+  </p:clrMapOvr>
+  <p:timing>
+    <p:tnLst>
+      <p:par>
+        <p:cTn id="1" dur="indefinite" restart="never" nodeType="tmRoot"/>
+      </p:par>
+    </p:tnLst>
+  </p:timing>
+</p:sld>
+</file>
+
+<file path=ppt/slides/slide7.xml><?xml version="1.0" encoding="utf-8"?>
+<p:sld xmlns:a="http://schemas.openxmlformats.org/drawingml/2006/main" xmlns:r="http://schemas.openxmlformats.org/officeDocument/2006/relationships" xmlns:p="http://schemas.openxmlformats.org/presentationml/2006/main">
+  <p:cSld>
+    <p:spTree>
+      <p:nvGrpSpPr>
+        <p:cNvPr id="1" name=""/>
+        <p:cNvGrpSpPr/>
+        <p:nvPr/>
+      </p:nvGrpSpPr>
+      <p:grpSpPr>
+        <a:xfrm>
+          <a:off x="0" y="0"/>
+          <a:ext cx="0" cy="0"/>
+          <a:chOff x="0" y="0"/>
+          <a:chExt cx="0" cy="0"/>
+        </a:xfrm>
+      </p:grpSpPr>
+      <p:sp>
+        <p:nvSpPr>
+          <p:cNvPr id="2" name="Titel 1"/>
+          <p:cNvSpPr>
+            <a:spLocks noGrp="1"/>
+          </p:cNvSpPr>
+          <p:nvPr>
+            <p:ph type="title"/>
+          </p:nvPr>
+        </p:nvSpPr>
+        <p:spPr>
+          <a:xfrm>
+            <a:off x="598516" y="531617"/>
+            <a:ext cx="10515600" cy="922151"/>
+          </a:xfrm>
+        </p:spPr>
+        <p:txBody>
+          <a:bodyPr>
+            <a:normAutofit/>
+          </a:bodyPr>
+          <a:lstStyle/>
+          <a:p>
+            <a:pPr>
+              <a:lnSpc>
+                <a:spcPct val="100000"/>
+              </a:lnSpc>
+              <a:tabLst>
+                <a:tab pos="7440613" algn="r"/>
+              </a:tabLst>
+            </a:pPr>
+            <a:r>
+              <a:rPr lang="de-CH" sz="3000" b="1" dirty="0" smtClean="0">
+                <a:solidFill>
+                  <a:srgbClr val="FF6600"/>
+                </a:solidFill>
+              </a:rPr>
+              <a:t>Personal </a:t>
+            </a:r>
+            <a:r>
+              <a:rPr lang="de-CH" sz="3000" b="1" dirty="0" err="1" smtClean="0">
+                <a:solidFill>
+                  <a:srgbClr val="FF6600"/>
+                </a:solidFill>
+              </a:rPr>
+              <a:t>contribution</a:t>
+            </a:r>
+            <a:endParaRPr lang="de-CH" sz="3000" dirty="0">
+              <a:solidFill>
+                <a:srgbClr val="FF6600"/>
+              </a:solidFill>
+            </a:endParaRPr>
+          </a:p>
+        </p:txBody>
+      </p:sp>
+      <p:sp>
+        <p:nvSpPr>
+          <p:cNvPr id="4" name="Inhaltsplatzhalter 2"/>
+          <p:cNvSpPr txBox="1">
+            <a:spLocks/>
+          </p:cNvSpPr>
+          <p:nvPr/>
+        </p:nvSpPr>
+        <p:spPr>
+          <a:xfrm>
+            <a:off x="6096000" y="1825624"/>
+            <a:ext cx="4855029" cy="4351338"/>
+          </a:xfrm>
+          <a:prstGeom prst="rect">
+            <a:avLst/>
+          </a:prstGeom>
+        </p:spPr>
+        <p:txBody>
+          <a:bodyPr vert="horz" lIns="91440" tIns="45720" rIns="91440" bIns="45720" rtlCol="0">
+            <a:normAutofit/>
+          </a:bodyPr>
+          <a:lstStyle>
+            <a:lvl1pPr marL="228600" indent="-228600" algn="l" defTabSz="914400" rtl="0" eaLnBrk="1" latinLnBrk="0" hangingPunct="1">
+              <a:lnSpc>
+                <a:spcPct val="90000"/>
+              </a:lnSpc>
+              <a:spcBef>
+                <a:spcPts val="1000"/>
+              </a:spcBef>
+              <a:buFont typeface="Arial" panose="020B0604020202020204" pitchFamily="34" charset="0"/>
+              <a:buChar char="•"/>
+              <a:defRPr sz="2800" kern="1200">
+                <a:solidFill>
+                  <a:schemeClr val="tx1"/>
+                </a:solidFill>
+                <a:latin typeface="+mn-lt"/>
+                <a:ea typeface="+mn-ea"/>
+                <a:cs typeface="+mn-cs"/>
+              </a:defRPr>
+            </a:lvl1pPr>
+            <a:lvl2pPr marL="685800" indent="-228600" algn="l" defTabSz="914400" rtl="0" eaLnBrk="1" latinLnBrk="0" hangingPunct="1">
+              <a:lnSpc>
+                <a:spcPct val="90000"/>
+              </a:lnSpc>
+              <a:spcBef>
+                <a:spcPts val="500"/>
+              </a:spcBef>
+              <a:buFont typeface="Arial" panose="020B0604020202020204" pitchFamily="34" charset="0"/>
+              <a:buChar char="•"/>
+              <a:defRPr sz="2400" kern="1200">
+                <a:solidFill>
+                  <a:schemeClr val="tx1"/>
+                </a:solidFill>
+                <a:latin typeface="+mn-lt"/>
+                <a:ea typeface="+mn-ea"/>
+                <a:cs typeface="+mn-cs"/>
+              </a:defRPr>
+            </a:lvl2pPr>
+            <a:lvl3pPr marL="1143000" indent="-228600" algn="l" defTabSz="914400" rtl="0" eaLnBrk="1" latinLnBrk="0" hangingPunct="1">
+              <a:lnSpc>
+                <a:spcPct val="90000"/>
+              </a:lnSpc>
+              <a:spcBef>
+                <a:spcPts val="500"/>
+              </a:spcBef>
+              <a:buFont typeface="Arial" panose="020B0604020202020204" pitchFamily="34" charset="0"/>
+              <a:buChar char="•"/>
+              <a:defRPr sz="2000" kern="1200">
+                <a:solidFill>
+                  <a:schemeClr val="tx1"/>
+                </a:solidFill>
+                <a:latin typeface="+mn-lt"/>
+                <a:ea typeface="+mn-ea"/>
+                <a:cs typeface="+mn-cs"/>
+              </a:defRPr>
+            </a:lvl3pPr>
+            <a:lvl4pPr marL="1600200" indent="-228600" algn="l" defTabSz="914400" rtl="0" eaLnBrk="1" latinLnBrk="0" hangingPunct="1">
+              <a:lnSpc>
+                <a:spcPct val="90000"/>
+              </a:lnSpc>
+              <a:spcBef>
+                <a:spcPts val="500"/>
+              </a:spcBef>
+              <a:buFont typeface="Arial" panose="020B0604020202020204" pitchFamily="34" charset="0"/>
+              <a:buChar char="•"/>
+              <a:defRPr sz="1800" kern="1200">
+                <a:solidFill>
+                  <a:schemeClr val="tx1"/>
+                </a:solidFill>
+                <a:latin typeface="+mn-lt"/>
+                <a:ea typeface="+mn-ea"/>
+                <a:cs typeface="+mn-cs"/>
+              </a:defRPr>
+            </a:lvl4pPr>
+            <a:lvl5pPr marL="2057400" indent="-228600" algn="l" defTabSz="914400" rtl="0" eaLnBrk="1" latinLnBrk="0" hangingPunct="1">
+              <a:lnSpc>
+                <a:spcPct val="90000"/>
+              </a:lnSpc>
+              <a:spcBef>
+                <a:spcPts val="500"/>
+              </a:spcBef>
+              <a:buFont typeface="Arial" panose="020B0604020202020204" pitchFamily="34" charset="0"/>
+              <a:buChar char="•"/>
+              <a:defRPr sz="1800" kern="1200">
+                <a:solidFill>
+                  <a:schemeClr val="tx1"/>
+                </a:solidFill>
+                <a:latin typeface="+mn-lt"/>
+                <a:ea typeface="+mn-ea"/>
+                <a:cs typeface="+mn-cs"/>
+              </a:defRPr>
+            </a:lvl5pPr>
+            <a:lvl6pPr marL="2514600" indent="-228600" algn="l" defTabSz="914400" rtl="0" eaLnBrk="1" latinLnBrk="0" hangingPunct="1">
+              <a:lnSpc>
+                <a:spcPct val="90000"/>
+              </a:lnSpc>
+              <a:spcBef>
+                <a:spcPts val="500"/>
+              </a:spcBef>
+              <a:buFont typeface="Arial" panose="020B0604020202020204" pitchFamily="34" charset="0"/>
+              <a:buChar char="•"/>
+              <a:defRPr sz="1800" kern="1200">
+                <a:solidFill>
+                  <a:schemeClr val="tx1"/>
+                </a:solidFill>
+                <a:latin typeface="+mn-lt"/>
+                <a:ea typeface="+mn-ea"/>
+                <a:cs typeface="+mn-cs"/>
+              </a:defRPr>
+            </a:lvl6pPr>
+            <a:lvl7pPr marL="2971800" indent="-228600" algn="l" defTabSz="914400" rtl="0" eaLnBrk="1" latinLnBrk="0" hangingPunct="1">
+              <a:lnSpc>
+                <a:spcPct val="90000"/>
+              </a:lnSpc>
+              <a:spcBef>
+                <a:spcPts val="500"/>
+              </a:spcBef>
+              <a:buFont typeface="Arial" panose="020B0604020202020204" pitchFamily="34" charset="0"/>
+              <a:buChar char="•"/>
+              <a:defRPr sz="1800" kern="1200">
+                <a:solidFill>
+                  <a:schemeClr val="tx1"/>
+                </a:solidFill>
+                <a:latin typeface="+mn-lt"/>
+                <a:ea typeface="+mn-ea"/>
+                <a:cs typeface="+mn-cs"/>
+              </a:defRPr>
+            </a:lvl7pPr>
+            <a:lvl8pPr marL="3429000" indent="-228600" algn="l" defTabSz="914400" rtl="0" eaLnBrk="1" latinLnBrk="0" hangingPunct="1">
+              <a:lnSpc>
+                <a:spcPct val="90000"/>
+              </a:lnSpc>
+              <a:spcBef>
+                <a:spcPts val="500"/>
+              </a:spcBef>
+              <a:buFont typeface="Arial" panose="020B0604020202020204" pitchFamily="34" charset="0"/>
+              <a:buChar char="•"/>
+              <a:defRPr sz="1800" kern="1200">
+                <a:solidFill>
+                  <a:schemeClr val="tx1"/>
+                </a:solidFill>
+                <a:latin typeface="+mn-lt"/>
+                <a:ea typeface="+mn-ea"/>
+                <a:cs typeface="+mn-cs"/>
+              </a:defRPr>
+            </a:lvl8pPr>
+            <a:lvl9pPr marL="3886200" indent="-228600" algn="l" defTabSz="914400" rtl="0" eaLnBrk="1" latinLnBrk="0" hangingPunct="1">
+              <a:lnSpc>
+                <a:spcPct val="90000"/>
+              </a:lnSpc>
+              <a:spcBef>
+                <a:spcPts val="500"/>
+              </a:spcBef>
+              <a:buFont typeface="Arial" panose="020B0604020202020204" pitchFamily="34" charset="0"/>
+              <a:buChar char="•"/>
+              <a:defRPr sz="1800" kern="1200">
+                <a:solidFill>
+                  <a:schemeClr val="tx1"/>
+                </a:solidFill>
+                <a:latin typeface="+mn-lt"/>
+                <a:ea typeface="+mn-ea"/>
+                <a:cs typeface="+mn-cs"/>
+              </a:defRPr>
+            </a:lvl9pPr>
+          </a:lstStyle>
+          <a:p>
+            <a:pPr marL="0" indent="0">
+              <a:buFont typeface="Arial" panose="020B0604020202020204" pitchFamily="34" charset="0"/>
+              <a:buNone/>
+            </a:pPr>
+            <a:endParaRPr lang="de-CH" dirty="0"/>
+          </a:p>
+        </p:txBody>
+      </p:sp>
+      <p:sp>
+        <p:nvSpPr>
+          <p:cNvPr id="9" name="Rechteck 8"/>
+          <p:cNvSpPr/>
+          <p:nvPr/>
+        </p:nvSpPr>
+        <p:spPr>
+          <a:xfrm flipH="1">
+            <a:off x="3911600" y="1696720"/>
+            <a:ext cx="71120" cy="3684734"/>
+          </a:xfrm>
+          <a:prstGeom prst="rect">
+            <a:avLst/>
+          </a:prstGeom>
+          <a:solidFill>
+            <a:schemeClr val="bg1"/>
+          </a:solidFill>
+          <a:ln>
+            <a:solidFill>
+              <a:schemeClr val="bg1"/>
+            </a:solidFill>
+          </a:ln>
+        </p:spPr>
+        <p:style>
+          <a:lnRef idx="2">
+            <a:schemeClr val="accent1">
+              <a:shade val="50000"/>
+            </a:schemeClr>
+          </a:lnRef>
+          <a:fillRef idx="1">
+            <a:schemeClr val="accent1"/>
+          </a:fillRef>
+          <a:effectRef idx="0">
+            <a:schemeClr val="accent1"/>
+          </a:effectRef>
+          <a:fontRef idx="minor">
+            <a:schemeClr val="lt1"/>
+          </a:fontRef>
+        </p:style>
+        <p:txBody>
+          <a:bodyPr rtlCol="0" anchor="ctr"/>
+          <a:lstStyle/>
+          <a:p>
+            <a:pPr algn="ctr"/>
+            <a:endParaRPr lang="de-CH"/>
+          </a:p>
+        </p:txBody>
+      </p:sp>
+      <p:sp>
+        <p:nvSpPr>
+          <p:cNvPr id="10" name="Rechteck 9"/>
+          <p:cNvSpPr/>
+          <p:nvPr/>
+        </p:nvSpPr>
+        <p:spPr>
+          <a:xfrm flipH="1">
+            <a:off x="3895464" y="1524000"/>
+            <a:ext cx="71120" cy="3684734"/>
+          </a:xfrm>
+          <a:prstGeom prst="rect">
+            <a:avLst/>
+          </a:prstGeom>
+          <a:solidFill>
+            <a:schemeClr val="bg1"/>
+          </a:solidFill>
+          <a:ln>
+            <a:solidFill>
+              <a:schemeClr val="bg1"/>
+            </a:solidFill>
+          </a:ln>
+        </p:spPr>
+        <p:style>
+          <a:lnRef idx="2">
+            <a:schemeClr val="accent1">
+              <a:shade val="50000"/>
+            </a:schemeClr>
+          </a:lnRef>
+          <a:fillRef idx="1">
+            <a:schemeClr val="accent1"/>
+          </a:fillRef>
+          <a:effectRef idx="0">
+            <a:schemeClr val="accent1"/>
+          </a:effectRef>
+          <a:fontRef idx="minor">
+            <a:schemeClr val="lt1"/>
+          </a:fontRef>
+        </p:style>
+        <p:txBody>
+          <a:bodyPr rtlCol="0" anchor="ctr"/>
+          <a:lstStyle/>
+          <a:p>
+            <a:pPr algn="ctr"/>
+            <a:endParaRPr lang="de-CH"/>
+          </a:p>
+        </p:txBody>
+      </p:sp>
+      <p:sp>
+        <p:nvSpPr>
+          <p:cNvPr id="11" name="Rechteck 10"/>
+          <p:cNvSpPr/>
+          <p:nvPr/>
+        </p:nvSpPr>
+        <p:spPr>
+          <a:xfrm flipH="1">
+            <a:off x="3867972" y="2570480"/>
+            <a:ext cx="71120" cy="3684734"/>
+          </a:xfrm>
+          <a:prstGeom prst="rect">
+            <a:avLst/>
+          </a:prstGeom>
+          <a:solidFill>
+            <a:schemeClr val="bg1"/>
+          </a:solidFill>
+          <a:ln>
+            <a:solidFill>
+              <a:schemeClr val="bg1"/>
+            </a:solidFill>
+          </a:ln>
+        </p:spPr>
+        <p:style>
+          <a:lnRef idx="2">
+            <a:schemeClr val="accent1">
+              <a:shade val="50000"/>
+            </a:schemeClr>
+          </a:lnRef>
+          <a:fillRef idx="1">
+            <a:schemeClr val="accent1"/>
+          </a:fillRef>
+          <a:effectRef idx="0">
+            <a:schemeClr val="accent1"/>
+          </a:effectRef>
+          <a:fontRef idx="minor">
+            <a:schemeClr val="lt1"/>
+          </a:fontRef>
+        </p:style>
+        <p:txBody>
+          <a:bodyPr rtlCol="0" anchor="ctr"/>
+          <a:lstStyle/>
+          <a:p>
+            <a:pPr algn="ctr"/>
+            <a:endParaRPr lang="de-CH"/>
+          </a:p>
+        </p:txBody>
+      </p:sp>
+      <p:sp>
+        <p:nvSpPr>
+          <p:cNvPr id="12" name="Rechteck 11"/>
+          <p:cNvSpPr/>
+          <p:nvPr/>
+        </p:nvSpPr>
+        <p:spPr>
+          <a:xfrm flipV="1">
+            <a:off x="3819264" y="6369963"/>
+            <a:ext cx="152400" cy="115942"/>
+          </a:xfrm>
+          <a:prstGeom prst="rect">
+            <a:avLst/>
+          </a:prstGeom>
+          <a:solidFill>
+            <a:schemeClr val="bg1"/>
+          </a:solidFill>
+          <a:ln>
+            <a:solidFill>
+              <a:schemeClr val="bg1"/>
+            </a:solidFill>
+          </a:ln>
+        </p:spPr>
+        <p:style>
+          <a:lnRef idx="2">
+            <a:schemeClr val="accent1">
+              <a:shade val="50000"/>
+            </a:schemeClr>
+          </a:lnRef>
+          <a:fillRef idx="1">
+            <a:schemeClr val="accent1"/>
+          </a:fillRef>
+          <a:effectRef idx="0">
+            <a:schemeClr val="accent1"/>
+          </a:effectRef>
+          <a:fontRef idx="minor">
+            <a:schemeClr val="lt1"/>
+          </a:fontRef>
+        </p:style>
+        <p:txBody>
+          <a:bodyPr rtlCol="0" anchor="ctr"/>
+          <a:lstStyle/>
+          <a:p>
+            <a:pPr algn="ctr"/>
+            <a:endParaRPr lang="de-CH"/>
+          </a:p>
+        </p:txBody>
+      </p:sp>
+      <p:sp>
+        <p:nvSpPr>
+          <p:cNvPr id="14" name="Rechteck 13"/>
+          <p:cNvSpPr/>
+          <p:nvPr/>
+        </p:nvSpPr>
+        <p:spPr>
+          <a:xfrm flipV="1">
+            <a:off x="3819264" y="6328370"/>
+            <a:ext cx="152400" cy="115942"/>
+          </a:xfrm>
+          <a:prstGeom prst="rect">
+            <a:avLst/>
+          </a:prstGeom>
+          <a:solidFill>
+            <a:schemeClr val="bg1"/>
+          </a:solidFill>
+          <a:ln>
+            <a:solidFill>
+              <a:schemeClr val="bg1"/>
+            </a:solidFill>
+          </a:ln>
+        </p:spPr>
+        <p:style>
+          <a:lnRef idx="2">
+            <a:schemeClr val="accent1">
+              <a:shade val="50000"/>
+            </a:schemeClr>
+          </a:lnRef>
+          <a:fillRef idx="1">
+            <a:schemeClr val="accent1"/>
+          </a:fillRef>
+          <a:effectRef idx="0">
+            <a:schemeClr val="accent1"/>
+          </a:effectRef>
+          <a:fontRef idx="minor">
+            <a:schemeClr val="lt1"/>
+          </a:fontRef>
+        </p:style>
+        <p:txBody>
+          <a:bodyPr rtlCol="0" anchor="ctr"/>
+          <a:lstStyle/>
+          <a:p>
+            <a:pPr algn="ctr"/>
+            <a:endParaRPr lang="de-CH"/>
+          </a:p>
+        </p:txBody>
+      </p:sp>
+      <p:sp>
+        <p:nvSpPr>
+          <p:cNvPr id="15" name="Rechteck 14"/>
+          <p:cNvSpPr/>
+          <p:nvPr/>
+        </p:nvSpPr>
+        <p:spPr>
+          <a:xfrm flipH="1" flipV="1">
+            <a:off x="2163184" y="6490930"/>
+            <a:ext cx="152400" cy="193040"/>
+          </a:xfrm>
+          <a:prstGeom prst="rect">
+            <a:avLst/>
+          </a:prstGeom>
+          <a:solidFill>
+            <a:schemeClr val="bg1"/>
+          </a:solidFill>
+          <a:ln>
+            <a:solidFill>
+              <a:schemeClr val="bg1"/>
+            </a:solidFill>
+          </a:ln>
+        </p:spPr>
+        <p:style>
+          <a:lnRef idx="2">
+            <a:schemeClr val="accent1">
+              <a:shade val="50000"/>
+            </a:schemeClr>
+          </a:lnRef>
+          <a:fillRef idx="1">
+            <a:schemeClr val="accent1"/>
+          </a:fillRef>
+          <a:effectRef idx="0">
+            <a:schemeClr val="accent1"/>
+          </a:effectRef>
+          <a:fontRef idx="minor">
+            <a:schemeClr val="lt1"/>
+          </a:fontRef>
+        </p:style>
+        <p:txBody>
+          <a:bodyPr rtlCol="0" anchor="ctr"/>
+          <a:lstStyle/>
+          <a:p>
+            <a:pPr algn="ctr"/>
+            <a:endParaRPr lang="de-CH"/>
+          </a:p>
+        </p:txBody>
+      </p:sp>
+      <p:sp>
+        <p:nvSpPr>
+          <p:cNvPr id="17" name="Rechteck 16"/>
+          <p:cNvSpPr/>
+          <p:nvPr/>
+        </p:nvSpPr>
+        <p:spPr>
+          <a:xfrm flipV="1">
+            <a:off x="3819264" y="1295652"/>
+            <a:ext cx="376816" cy="155192"/>
+          </a:xfrm>
+          <a:prstGeom prst="rect">
+            <a:avLst/>
+          </a:prstGeom>
+          <a:solidFill>
+            <a:schemeClr val="bg1"/>
+          </a:solidFill>
+          <a:ln>
+            <a:solidFill>
+              <a:schemeClr val="bg1"/>
+            </a:solidFill>
+          </a:ln>
+        </p:spPr>
+        <p:style>
+          <a:lnRef idx="2">
+            <a:schemeClr val="accent1">
+              <a:shade val="50000"/>
+            </a:schemeClr>
+          </a:lnRef>
+          <a:fillRef idx="1">
+            <a:schemeClr val="accent1"/>
+          </a:fillRef>
+          <a:effectRef idx="0">
+            <a:schemeClr val="accent1"/>
+          </a:effectRef>
+          <a:fontRef idx="minor">
+            <a:schemeClr val="lt1"/>
+          </a:fontRef>
+        </p:style>
+        <p:txBody>
+          <a:bodyPr rtlCol="0" anchor="ctr"/>
+          <a:lstStyle/>
+          <a:p>
+            <a:pPr algn="ctr"/>
+            <a:endParaRPr lang="de-CH"/>
+          </a:p>
+        </p:txBody>
+      </p:sp>
+      <p:sp>
+        <p:nvSpPr>
+          <p:cNvPr id="13" name="Inhaltsplatzhalter 2"/>
+          <p:cNvSpPr txBox="1">
+            <a:spLocks/>
+          </p:cNvSpPr>
+          <p:nvPr/>
+        </p:nvSpPr>
+        <p:spPr>
+          <a:xfrm>
             <a:off x="1378800" y="1231200"/>
             <a:ext cx="10515600" cy="4351338"/>
           </a:xfrm>
@@ -8798,7 +9044,7 @@
           <p:nvPr>
             <p:extLst>
               <p:ext uri="{D42A27DB-BD31-4B8C-83A1-F6EECF244321}">
-                <p14:modId xmlns:p14="http://schemas.microsoft.com/office/powerpoint/2010/main" val="1456335507"/>
+                <p14:modId xmlns:p14="http://schemas.microsoft.com/office/powerpoint/2010/main" val="2232563618"/>
               </p:ext>
             </p:extLst>
           </p:nvPr>
@@ -8902,7 +9148,7 @@
                     <a:p>
                       <a:r>
                         <a:rPr lang="de-CH" sz="2000" baseline="0" dirty="0" smtClean="0"/>
-                        <a:t>-GUI vereinheitlichen</a:t>
+                        <a:t>-Patienten Kontakte verwalten</a:t>
                       </a:r>
                       <a:endParaRPr lang="en-US" sz="2000" dirty="0"/>
                     </a:p>
@@ -8940,31 +9186,19 @@
                         <a:t>-Patient </a:t>
                       </a:r>
                       <a:r>
-                        <a:rPr lang="de-CH" sz="2000" dirty="0" err="1" smtClean="0"/>
-                        <a:t>Creation</a:t>
-                      </a:r>
-                      <a:r>
                         <a:rPr lang="de-CH" sz="2000" dirty="0" smtClean="0"/>
-                        <a:t> (View, Controller,</a:t>
+                        <a:t>erstellen </a:t>
                       </a:r>
                       <a:r>
                         <a:rPr lang="de-CH" sz="2000" baseline="0" dirty="0" smtClean="0"/>
-                        <a:t> </a:t>
-                      </a:r>
-                      <a:r>
-                        <a:rPr lang="de-CH" sz="2000" baseline="0" dirty="0" err="1" smtClean="0"/>
-                        <a:t>Persistence</a:t>
-                      </a:r>
-                      <a:r>
-                        <a:rPr lang="de-CH" sz="2000" baseline="0" dirty="0" smtClean="0"/>
-                        <a:t>, Validation)</a:t>
+                        <a:t/>
                       </a:r>
                       <a:br>
                         <a:rPr lang="de-CH" sz="2000" baseline="0" dirty="0" smtClean="0"/>
                       </a:br>
                       <a:r>
                         <a:rPr lang="de-CH" sz="2000" baseline="0" dirty="0" smtClean="0"/>
-                        <a:t>-Login (View, Controller, DB, Validation) </a:t>
+                        <a:t>-Login </a:t>
                       </a:r>
                     </a:p>
                     <a:p>
@@ -9025,7 +9259,11 @@
                       </a:pPr>
                       <a:r>
                         <a:rPr lang="de-CH" sz="2000" baseline="0" dirty="0" smtClean="0"/>
-                        <a:t>-Medikation</a:t>
+                        <a:t>-</a:t>
+                      </a:r>
+                      <a:r>
+                        <a:rPr lang="de-CH" sz="2000" baseline="0" dirty="0" smtClean="0"/>
+                        <a:t>Medikation Verwaltung</a:t>
                       </a:r>
                       <a:endParaRPr lang="en-US" sz="2000" dirty="0"/>
                     </a:p>
@@ -9064,7 +9302,7 @@
                       </a:r>
                       <a:r>
                         <a:rPr lang="de-CH" sz="2000" baseline="0" dirty="0" smtClean="0"/>
-                        <a:t>en Verwaltung (Validation)</a:t>
+                        <a:t>en Verwaltung </a:t>
                       </a:r>
                     </a:p>
                     <a:p>
@@ -9113,809 +9351,6 @@
 </p:sld>
 </file>
 
-<file path=ppt/slides/slide7.xml><?xml version="1.0" encoding="utf-8"?>
-<p:sld xmlns:a="http://schemas.openxmlformats.org/drawingml/2006/main" xmlns:r="http://schemas.openxmlformats.org/officeDocument/2006/relationships" xmlns:p="http://schemas.openxmlformats.org/presentationml/2006/main">
-  <p:cSld>
-    <p:spTree>
-      <p:nvGrpSpPr>
-        <p:cNvPr id="1" name=""/>
-        <p:cNvGrpSpPr/>
-        <p:nvPr/>
-      </p:nvGrpSpPr>
-      <p:grpSpPr>
-        <a:xfrm>
-          <a:off x="0" y="0"/>
-          <a:ext cx="0" cy="0"/>
-          <a:chOff x="0" y="0"/>
-          <a:chExt cx="0" cy="0"/>
-        </a:xfrm>
-      </p:grpSpPr>
-      <p:sp>
-        <p:nvSpPr>
-          <p:cNvPr id="2" name="Titel 1"/>
-          <p:cNvSpPr>
-            <a:spLocks noGrp="1"/>
-          </p:cNvSpPr>
-          <p:nvPr>
-            <p:ph type="title"/>
-          </p:nvPr>
-        </p:nvSpPr>
-        <p:spPr>
-          <a:xfrm>
-            <a:off x="598516" y="531617"/>
-            <a:ext cx="10515600" cy="922151"/>
-          </a:xfrm>
-        </p:spPr>
-        <p:txBody>
-          <a:bodyPr>
-            <a:normAutofit/>
-          </a:bodyPr>
-          <a:lstStyle/>
-          <a:p>
-            <a:pPr>
-              <a:lnSpc>
-                <a:spcPct val="100000"/>
-              </a:lnSpc>
-              <a:tabLst>
-                <a:tab pos="7440613" algn="r"/>
-              </a:tabLst>
-            </a:pPr>
-            <a:r>
-              <a:rPr lang="de-CH" sz="3000" b="1" dirty="0" smtClean="0">
-                <a:solidFill>
-                  <a:srgbClr val="FF6600"/>
-                </a:solidFill>
-              </a:rPr>
-              <a:t>Stephan</a:t>
-            </a:r>
-            <a:endParaRPr lang="de-CH" sz="3000" dirty="0">
-              <a:solidFill>
-                <a:srgbClr val="FF6600"/>
-              </a:solidFill>
-            </a:endParaRPr>
-          </a:p>
-        </p:txBody>
-      </p:sp>
-      <p:sp>
-        <p:nvSpPr>
-          <p:cNvPr id="4" name="Inhaltsplatzhalter 2"/>
-          <p:cNvSpPr txBox="1">
-            <a:spLocks/>
-          </p:cNvSpPr>
-          <p:nvPr/>
-        </p:nvSpPr>
-        <p:spPr>
-          <a:xfrm>
-            <a:off x="6096000" y="1825624"/>
-            <a:ext cx="4855029" cy="4351338"/>
-          </a:xfrm>
-          <a:prstGeom prst="rect">
-            <a:avLst/>
-          </a:prstGeom>
-        </p:spPr>
-        <p:txBody>
-          <a:bodyPr vert="horz" lIns="91440" tIns="45720" rIns="91440" bIns="45720" rtlCol="0">
-            <a:normAutofit/>
-          </a:bodyPr>
-          <a:lstStyle>
-            <a:lvl1pPr marL="228600" indent="-228600" algn="l" defTabSz="914400" rtl="0" eaLnBrk="1" latinLnBrk="0" hangingPunct="1">
-              <a:lnSpc>
-                <a:spcPct val="90000"/>
-              </a:lnSpc>
-              <a:spcBef>
-                <a:spcPts val="1000"/>
-              </a:spcBef>
-              <a:buFont typeface="Arial" panose="020B0604020202020204" pitchFamily="34" charset="0"/>
-              <a:buChar char="•"/>
-              <a:defRPr sz="2800" kern="1200">
-                <a:solidFill>
-                  <a:schemeClr val="tx1"/>
-                </a:solidFill>
-                <a:latin typeface="+mn-lt"/>
-                <a:ea typeface="+mn-ea"/>
-                <a:cs typeface="+mn-cs"/>
-              </a:defRPr>
-            </a:lvl1pPr>
-            <a:lvl2pPr marL="685800" indent="-228600" algn="l" defTabSz="914400" rtl="0" eaLnBrk="1" latinLnBrk="0" hangingPunct="1">
-              <a:lnSpc>
-                <a:spcPct val="90000"/>
-              </a:lnSpc>
-              <a:spcBef>
-                <a:spcPts val="500"/>
-              </a:spcBef>
-              <a:buFont typeface="Arial" panose="020B0604020202020204" pitchFamily="34" charset="0"/>
-              <a:buChar char="•"/>
-              <a:defRPr sz="2400" kern="1200">
-                <a:solidFill>
-                  <a:schemeClr val="tx1"/>
-                </a:solidFill>
-                <a:latin typeface="+mn-lt"/>
-                <a:ea typeface="+mn-ea"/>
-                <a:cs typeface="+mn-cs"/>
-              </a:defRPr>
-            </a:lvl2pPr>
-            <a:lvl3pPr marL="1143000" indent="-228600" algn="l" defTabSz="914400" rtl="0" eaLnBrk="1" latinLnBrk="0" hangingPunct="1">
-              <a:lnSpc>
-                <a:spcPct val="90000"/>
-              </a:lnSpc>
-              <a:spcBef>
-                <a:spcPts val="500"/>
-              </a:spcBef>
-              <a:buFont typeface="Arial" panose="020B0604020202020204" pitchFamily="34" charset="0"/>
-              <a:buChar char="•"/>
-              <a:defRPr sz="2000" kern="1200">
-                <a:solidFill>
-                  <a:schemeClr val="tx1"/>
-                </a:solidFill>
-                <a:latin typeface="+mn-lt"/>
-                <a:ea typeface="+mn-ea"/>
-                <a:cs typeface="+mn-cs"/>
-              </a:defRPr>
-            </a:lvl3pPr>
-            <a:lvl4pPr marL="1600200" indent="-228600" algn="l" defTabSz="914400" rtl="0" eaLnBrk="1" latinLnBrk="0" hangingPunct="1">
-              <a:lnSpc>
-                <a:spcPct val="90000"/>
-              </a:lnSpc>
-              <a:spcBef>
-                <a:spcPts val="500"/>
-              </a:spcBef>
-              <a:buFont typeface="Arial" panose="020B0604020202020204" pitchFamily="34" charset="0"/>
-              <a:buChar char="•"/>
-              <a:defRPr sz="1800" kern="1200">
-                <a:solidFill>
-                  <a:schemeClr val="tx1"/>
-                </a:solidFill>
-                <a:latin typeface="+mn-lt"/>
-                <a:ea typeface="+mn-ea"/>
-                <a:cs typeface="+mn-cs"/>
-              </a:defRPr>
-            </a:lvl4pPr>
-            <a:lvl5pPr marL="2057400" indent="-228600" algn="l" defTabSz="914400" rtl="0" eaLnBrk="1" latinLnBrk="0" hangingPunct="1">
-              <a:lnSpc>
-                <a:spcPct val="90000"/>
-              </a:lnSpc>
-              <a:spcBef>
-                <a:spcPts val="500"/>
-              </a:spcBef>
-              <a:buFont typeface="Arial" panose="020B0604020202020204" pitchFamily="34" charset="0"/>
-              <a:buChar char="•"/>
-              <a:defRPr sz="1800" kern="1200">
-                <a:solidFill>
-                  <a:schemeClr val="tx1"/>
-                </a:solidFill>
-                <a:latin typeface="+mn-lt"/>
-                <a:ea typeface="+mn-ea"/>
-                <a:cs typeface="+mn-cs"/>
-              </a:defRPr>
-            </a:lvl5pPr>
-            <a:lvl6pPr marL="2514600" indent="-228600" algn="l" defTabSz="914400" rtl="0" eaLnBrk="1" latinLnBrk="0" hangingPunct="1">
-              <a:lnSpc>
-                <a:spcPct val="90000"/>
-              </a:lnSpc>
-              <a:spcBef>
-                <a:spcPts val="500"/>
-              </a:spcBef>
-              <a:buFont typeface="Arial" panose="020B0604020202020204" pitchFamily="34" charset="0"/>
-              <a:buChar char="•"/>
-              <a:defRPr sz="1800" kern="1200">
-                <a:solidFill>
-                  <a:schemeClr val="tx1"/>
-                </a:solidFill>
-                <a:latin typeface="+mn-lt"/>
-                <a:ea typeface="+mn-ea"/>
-                <a:cs typeface="+mn-cs"/>
-              </a:defRPr>
-            </a:lvl6pPr>
-            <a:lvl7pPr marL="2971800" indent="-228600" algn="l" defTabSz="914400" rtl="0" eaLnBrk="1" latinLnBrk="0" hangingPunct="1">
-              <a:lnSpc>
-                <a:spcPct val="90000"/>
-              </a:lnSpc>
-              <a:spcBef>
-                <a:spcPts val="500"/>
-              </a:spcBef>
-              <a:buFont typeface="Arial" panose="020B0604020202020204" pitchFamily="34" charset="0"/>
-              <a:buChar char="•"/>
-              <a:defRPr sz="1800" kern="1200">
-                <a:solidFill>
-                  <a:schemeClr val="tx1"/>
-                </a:solidFill>
-                <a:latin typeface="+mn-lt"/>
-                <a:ea typeface="+mn-ea"/>
-                <a:cs typeface="+mn-cs"/>
-              </a:defRPr>
-            </a:lvl7pPr>
-            <a:lvl8pPr marL="3429000" indent="-228600" algn="l" defTabSz="914400" rtl="0" eaLnBrk="1" latinLnBrk="0" hangingPunct="1">
-              <a:lnSpc>
-                <a:spcPct val="90000"/>
-              </a:lnSpc>
-              <a:spcBef>
-                <a:spcPts val="500"/>
-              </a:spcBef>
-              <a:buFont typeface="Arial" panose="020B0604020202020204" pitchFamily="34" charset="0"/>
-              <a:buChar char="•"/>
-              <a:defRPr sz="1800" kern="1200">
-                <a:solidFill>
-                  <a:schemeClr val="tx1"/>
-                </a:solidFill>
-                <a:latin typeface="+mn-lt"/>
-                <a:ea typeface="+mn-ea"/>
-                <a:cs typeface="+mn-cs"/>
-              </a:defRPr>
-            </a:lvl8pPr>
-            <a:lvl9pPr marL="3886200" indent="-228600" algn="l" defTabSz="914400" rtl="0" eaLnBrk="1" latinLnBrk="0" hangingPunct="1">
-              <a:lnSpc>
-                <a:spcPct val="90000"/>
-              </a:lnSpc>
-              <a:spcBef>
-                <a:spcPts val="500"/>
-              </a:spcBef>
-              <a:buFont typeface="Arial" panose="020B0604020202020204" pitchFamily="34" charset="0"/>
-              <a:buChar char="•"/>
-              <a:defRPr sz="1800" kern="1200">
-                <a:solidFill>
-                  <a:schemeClr val="tx1"/>
-                </a:solidFill>
-                <a:latin typeface="+mn-lt"/>
-                <a:ea typeface="+mn-ea"/>
-                <a:cs typeface="+mn-cs"/>
-              </a:defRPr>
-            </a:lvl9pPr>
-          </a:lstStyle>
-          <a:p>
-            <a:pPr marL="0" indent="0">
-              <a:buFont typeface="Arial" panose="020B0604020202020204" pitchFamily="34" charset="0"/>
-              <a:buNone/>
-            </a:pPr>
-            <a:endParaRPr lang="de-CH" dirty="0"/>
-          </a:p>
-        </p:txBody>
-      </p:sp>
-      <p:sp>
-        <p:nvSpPr>
-          <p:cNvPr id="9" name="Rechteck 8"/>
-          <p:cNvSpPr/>
-          <p:nvPr/>
-        </p:nvSpPr>
-        <p:spPr>
-          <a:xfrm flipH="1">
-            <a:off x="3911600" y="1696720"/>
-            <a:ext cx="71120" cy="3684734"/>
-          </a:xfrm>
-          <a:prstGeom prst="rect">
-            <a:avLst/>
-          </a:prstGeom>
-          <a:solidFill>
-            <a:schemeClr val="bg1"/>
-          </a:solidFill>
-          <a:ln>
-            <a:solidFill>
-              <a:schemeClr val="bg1"/>
-            </a:solidFill>
-          </a:ln>
-        </p:spPr>
-        <p:style>
-          <a:lnRef idx="2">
-            <a:schemeClr val="accent1">
-              <a:shade val="50000"/>
-            </a:schemeClr>
-          </a:lnRef>
-          <a:fillRef idx="1">
-            <a:schemeClr val="accent1"/>
-          </a:fillRef>
-          <a:effectRef idx="0">
-            <a:schemeClr val="accent1"/>
-          </a:effectRef>
-          <a:fontRef idx="minor">
-            <a:schemeClr val="lt1"/>
-          </a:fontRef>
-        </p:style>
-        <p:txBody>
-          <a:bodyPr rtlCol="0" anchor="ctr"/>
-          <a:lstStyle/>
-          <a:p>
-            <a:pPr algn="ctr"/>
-            <a:endParaRPr lang="de-CH"/>
-          </a:p>
-        </p:txBody>
-      </p:sp>
-      <p:sp>
-        <p:nvSpPr>
-          <p:cNvPr id="10" name="Rechteck 9"/>
-          <p:cNvSpPr/>
-          <p:nvPr/>
-        </p:nvSpPr>
-        <p:spPr>
-          <a:xfrm flipH="1">
-            <a:off x="3895464" y="1524000"/>
-            <a:ext cx="71120" cy="3684734"/>
-          </a:xfrm>
-          <a:prstGeom prst="rect">
-            <a:avLst/>
-          </a:prstGeom>
-          <a:solidFill>
-            <a:schemeClr val="bg1"/>
-          </a:solidFill>
-          <a:ln>
-            <a:solidFill>
-              <a:schemeClr val="bg1"/>
-            </a:solidFill>
-          </a:ln>
-        </p:spPr>
-        <p:style>
-          <a:lnRef idx="2">
-            <a:schemeClr val="accent1">
-              <a:shade val="50000"/>
-            </a:schemeClr>
-          </a:lnRef>
-          <a:fillRef idx="1">
-            <a:schemeClr val="accent1"/>
-          </a:fillRef>
-          <a:effectRef idx="0">
-            <a:schemeClr val="accent1"/>
-          </a:effectRef>
-          <a:fontRef idx="minor">
-            <a:schemeClr val="lt1"/>
-          </a:fontRef>
-        </p:style>
-        <p:txBody>
-          <a:bodyPr rtlCol="0" anchor="ctr"/>
-          <a:lstStyle/>
-          <a:p>
-            <a:pPr algn="ctr"/>
-            <a:endParaRPr lang="de-CH"/>
-          </a:p>
-        </p:txBody>
-      </p:sp>
-      <p:sp>
-        <p:nvSpPr>
-          <p:cNvPr id="11" name="Rechteck 10"/>
-          <p:cNvSpPr/>
-          <p:nvPr/>
-        </p:nvSpPr>
-        <p:spPr>
-          <a:xfrm flipH="1">
-            <a:off x="3867972" y="2570480"/>
-            <a:ext cx="71120" cy="3684734"/>
-          </a:xfrm>
-          <a:prstGeom prst="rect">
-            <a:avLst/>
-          </a:prstGeom>
-          <a:solidFill>
-            <a:schemeClr val="bg1"/>
-          </a:solidFill>
-          <a:ln>
-            <a:solidFill>
-              <a:schemeClr val="bg1"/>
-            </a:solidFill>
-          </a:ln>
-        </p:spPr>
-        <p:style>
-          <a:lnRef idx="2">
-            <a:schemeClr val="accent1">
-              <a:shade val="50000"/>
-            </a:schemeClr>
-          </a:lnRef>
-          <a:fillRef idx="1">
-            <a:schemeClr val="accent1"/>
-          </a:fillRef>
-          <a:effectRef idx="0">
-            <a:schemeClr val="accent1"/>
-          </a:effectRef>
-          <a:fontRef idx="minor">
-            <a:schemeClr val="lt1"/>
-          </a:fontRef>
-        </p:style>
-        <p:txBody>
-          <a:bodyPr rtlCol="0" anchor="ctr"/>
-          <a:lstStyle/>
-          <a:p>
-            <a:pPr algn="ctr"/>
-            <a:endParaRPr lang="de-CH"/>
-          </a:p>
-        </p:txBody>
-      </p:sp>
-      <p:sp>
-        <p:nvSpPr>
-          <p:cNvPr id="12" name="Rechteck 11"/>
-          <p:cNvSpPr/>
-          <p:nvPr/>
-        </p:nvSpPr>
-        <p:spPr>
-          <a:xfrm flipV="1">
-            <a:off x="3819264" y="6369963"/>
-            <a:ext cx="152400" cy="115942"/>
-          </a:xfrm>
-          <a:prstGeom prst="rect">
-            <a:avLst/>
-          </a:prstGeom>
-          <a:solidFill>
-            <a:schemeClr val="bg1"/>
-          </a:solidFill>
-          <a:ln>
-            <a:solidFill>
-              <a:schemeClr val="bg1"/>
-            </a:solidFill>
-          </a:ln>
-        </p:spPr>
-        <p:style>
-          <a:lnRef idx="2">
-            <a:schemeClr val="accent1">
-              <a:shade val="50000"/>
-            </a:schemeClr>
-          </a:lnRef>
-          <a:fillRef idx="1">
-            <a:schemeClr val="accent1"/>
-          </a:fillRef>
-          <a:effectRef idx="0">
-            <a:schemeClr val="accent1"/>
-          </a:effectRef>
-          <a:fontRef idx="minor">
-            <a:schemeClr val="lt1"/>
-          </a:fontRef>
-        </p:style>
-        <p:txBody>
-          <a:bodyPr rtlCol="0" anchor="ctr"/>
-          <a:lstStyle/>
-          <a:p>
-            <a:pPr algn="ctr"/>
-            <a:endParaRPr lang="de-CH"/>
-          </a:p>
-        </p:txBody>
-      </p:sp>
-      <p:sp>
-        <p:nvSpPr>
-          <p:cNvPr id="14" name="Rechteck 13"/>
-          <p:cNvSpPr/>
-          <p:nvPr/>
-        </p:nvSpPr>
-        <p:spPr>
-          <a:xfrm flipV="1">
-            <a:off x="3819264" y="6328370"/>
-            <a:ext cx="152400" cy="115942"/>
-          </a:xfrm>
-          <a:prstGeom prst="rect">
-            <a:avLst/>
-          </a:prstGeom>
-          <a:solidFill>
-            <a:schemeClr val="bg1"/>
-          </a:solidFill>
-          <a:ln>
-            <a:solidFill>
-              <a:schemeClr val="bg1"/>
-            </a:solidFill>
-          </a:ln>
-        </p:spPr>
-        <p:style>
-          <a:lnRef idx="2">
-            <a:schemeClr val="accent1">
-              <a:shade val="50000"/>
-            </a:schemeClr>
-          </a:lnRef>
-          <a:fillRef idx="1">
-            <a:schemeClr val="accent1"/>
-          </a:fillRef>
-          <a:effectRef idx="0">
-            <a:schemeClr val="accent1"/>
-          </a:effectRef>
-          <a:fontRef idx="minor">
-            <a:schemeClr val="lt1"/>
-          </a:fontRef>
-        </p:style>
-        <p:txBody>
-          <a:bodyPr rtlCol="0" anchor="ctr"/>
-          <a:lstStyle/>
-          <a:p>
-            <a:pPr algn="ctr"/>
-            <a:endParaRPr lang="de-CH"/>
-          </a:p>
-        </p:txBody>
-      </p:sp>
-      <p:sp>
-        <p:nvSpPr>
-          <p:cNvPr id="15" name="Rechteck 14"/>
-          <p:cNvSpPr/>
-          <p:nvPr/>
-        </p:nvSpPr>
-        <p:spPr>
-          <a:xfrm flipH="1" flipV="1">
-            <a:off x="2163184" y="6490930"/>
-            <a:ext cx="152400" cy="193040"/>
-          </a:xfrm>
-          <a:prstGeom prst="rect">
-            <a:avLst/>
-          </a:prstGeom>
-          <a:solidFill>
-            <a:schemeClr val="bg1"/>
-          </a:solidFill>
-          <a:ln>
-            <a:solidFill>
-              <a:schemeClr val="bg1"/>
-            </a:solidFill>
-          </a:ln>
-        </p:spPr>
-        <p:style>
-          <a:lnRef idx="2">
-            <a:schemeClr val="accent1">
-              <a:shade val="50000"/>
-            </a:schemeClr>
-          </a:lnRef>
-          <a:fillRef idx="1">
-            <a:schemeClr val="accent1"/>
-          </a:fillRef>
-          <a:effectRef idx="0">
-            <a:schemeClr val="accent1"/>
-          </a:effectRef>
-          <a:fontRef idx="minor">
-            <a:schemeClr val="lt1"/>
-          </a:fontRef>
-        </p:style>
-        <p:txBody>
-          <a:bodyPr rtlCol="0" anchor="ctr"/>
-          <a:lstStyle/>
-          <a:p>
-            <a:pPr algn="ctr"/>
-            <a:endParaRPr lang="de-CH"/>
-          </a:p>
-        </p:txBody>
-      </p:sp>
-      <p:sp>
-        <p:nvSpPr>
-          <p:cNvPr id="17" name="Rechteck 16"/>
-          <p:cNvSpPr/>
-          <p:nvPr/>
-        </p:nvSpPr>
-        <p:spPr>
-          <a:xfrm flipV="1">
-            <a:off x="3819264" y="1295652"/>
-            <a:ext cx="376816" cy="155192"/>
-          </a:xfrm>
-          <a:prstGeom prst="rect">
-            <a:avLst/>
-          </a:prstGeom>
-          <a:solidFill>
-            <a:schemeClr val="bg1"/>
-          </a:solidFill>
-          <a:ln>
-            <a:solidFill>
-              <a:schemeClr val="bg1"/>
-            </a:solidFill>
-          </a:ln>
-        </p:spPr>
-        <p:style>
-          <a:lnRef idx="2">
-            <a:schemeClr val="accent1">
-              <a:shade val="50000"/>
-            </a:schemeClr>
-          </a:lnRef>
-          <a:fillRef idx="1">
-            <a:schemeClr val="accent1"/>
-          </a:fillRef>
-          <a:effectRef idx="0">
-            <a:schemeClr val="accent1"/>
-          </a:effectRef>
-          <a:fontRef idx="minor">
-            <a:schemeClr val="lt1"/>
-          </a:fontRef>
-        </p:style>
-        <p:txBody>
-          <a:bodyPr rtlCol="0" anchor="ctr"/>
-          <a:lstStyle/>
-          <a:p>
-            <a:pPr algn="ctr"/>
-            <a:endParaRPr lang="de-CH"/>
-          </a:p>
-        </p:txBody>
-      </p:sp>
-      <p:sp>
-        <p:nvSpPr>
-          <p:cNvPr id="13" name="Inhaltsplatzhalter 2"/>
-          <p:cNvSpPr txBox="1">
-            <a:spLocks/>
-          </p:cNvSpPr>
-          <p:nvPr/>
-        </p:nvSpPr>
-        <p:spPr>
-          <a:xfrm>
-            <a:off x="1378800" y="1231200"/>
-            <a:ext cx="10515600" cy="4351338"/>
-          </a:xfrm>
-          <a:prstGeom prst="rect">
-            <a:avLst/>
-          </a:prstGeom>
-        </p:spPr>
-        <p:txBody>
-          <a:bodyPr vert="horz" lIns="91440" tIns="45720" rIns="91440" bIns="45720" rtlCol="0">
-            <a:normAutofit/>
-          </a:bodyPr>
-          <a:lstStyle>
-            <a:lvl1pPr marL="228600" indent="-228600" algn="l" defTabSz="914400" rtl="0" eaLnBrk="1" latinLnBrk="0" hangingPunct="1">
-              <a:lnSpc>
-                <a:spcPct val="90000"/>
-              </a:lnSpc>
-              <a:spcBef>
-                <a:spcPts val="1000"/>
-              </a:spcBef>
-              <a:buFont typeface="Arial" panose="020B0604020202020204" pitchFamily="34" charset="0"/>
-              <a:buChar char="•"/>
-              <a:defRPr sz="2800" kern="1200">
-                <a:solidFill>
-                  <a:schemeClr val="tx1"/>
-                </a:solidFill>
-                <a:latin typeface="+mn-lt"/>
-                <a:ea typeface="+mn-ea"/>
-                <a:cs typeface="+mn-cs"/>
-              </a:defRPr>
-            </a:lvl1pPr>
-            <a:lvl2pPr marL="685800" indent="-228600" algn="l" defTabSz="914400" rtl="0" eaLnBrk="1" latinLnBrk="0" hangingPunct="1">
-              <a:lnSpc>
-                <a:spcPct val="90000"/>
-              </a:lnSpc>
-              <a:spcBef>
-                <a:spcPts val="500"/>
-              </a:spcBef>
-              <a:buFont typeface="Arial" panose="020B0604020202020204" pitchFamily="34" charset="0"/>
-              <a:buChar char="•"/>
-              <a:defRPr sz="2400" kern="1200">
-                <a:solidFill>
-                  <a:schemeClr val="tx1"/>
-                </a:solidFill>
-                <a:latin typeface="+mn-lt"/>
-                <a:ea typeface="+mn-ea"/>
-                <a:cs typeface="+mn-cs"/>
-              </a:defRPr>
-            </a:lvl2pPr>
-            <a:lvl3pPr marL="1143000" indent="-228600" algn="l" defTabSz="914400" rtl="0" eaLnBrk="1" latinLnBrk="0" hangingPunct="1">
-              <a:lnSpc>
-                <a:spcPct val="90000"/>
-              </a:lnSpc>
-              <a:spcBef>
-                <a:spcPts val="500"/>
-              </a:spcBef>
-              <a:buFont typeface="Arial" panose="020B0604020202020204" pitchFamily="34" charset="0"/>
-              <a:buChar char="•"/>
-              <a:defRPr sz="2000" kern="1200">
-                <a:solidFill>
-                  <a:schemeClr val="tx1"/>
-                </a:solidFill>
-                <a:latin typeface="+mn-lt"/>
-                <a:ea typeface="+mn-ea"/>
-                <a:cs typeface="+mn-cs"/>
-              </a:defRPr>
-            </a:lvl3pPr>
-            <a:lvl4pPr marL="1600200" indent="-228600" algn="l" defTabSz="914400" rtl="0" eaLnBrk="1" latinLnBrk="0" hangingPunct="1">
-              <a:lnSpc>
-                <a:spcPct val="90000"/>
-              </a:lnSpc>
-              <a:spcBef>
-                <a:spcPts val="500"/>
-              </a:spcBef>
-              <a:buFont typeface="Arial" panose="020B0604020202020204" pitchFamily="34" charset="0"/>
-              <a:buChar char="•"/>
-              <a:defRPr sz="1800" kern="1200">
-                <a:solidFill>
-                  <a:schemeClr val="tx1"/>
-                </a:solidFill>
-                <a:latin typeface="+mn-lt"/>
-                <a:ea typeface="+mn-ea"/>
-                <a:cs typeface="+mn-cs"/>
-              </a:defRPr>
-            </a:lvl4pPr>
-            <a:lvl5pPr marL="2057400" indent="-228600" algn="l" defTabSz="914400" rtl="0" eaLnBrk="1" latinLnBrk="0" hangingPunct="1">
-              <a:lnSpc>
-                <a:spcPct val="90000"/>
-              </a:lnSpc>
-              <a:spcBef>
-                <a:spcPts val="500"/>
-              </a:spcBef>
-              <a:buFont typeface="Arial" panose="020B0604020202020204" pitchFamily="34" charset="0"/>
-              <a:buChar char="•"/>
-              <a:defRPr sz="1800" kern="1200">
-                <a:solidFill>
-                  <a:schemeClr val="tx1"/>
-                </a:solidFill>
-                <a:latin typeface="+mn-lt"/>
-                <a:ea typeface="+mn-ea"/>
-                <a:cs typeface="+mn-cs"/>
-              </a:defRPr>
-            </a:lvl5pPr>
-            <a:lvl6pPr marL="2514600" indent="-228600" algn="l" defTabSz="914400" rtl="0" eaLnBrk="1" latinLnBrk="0" hangingPunct="1">
-              <a:lnSpc>
-                <a:spcPct val="90000"/>
-              </a:lnSpc>
-              <a:spcBef>
-                <a:spcPts val="500"/>
-              </a:spcBef>
-              <a:buFont typeface="Arial" panose="020B0604020202020204" pitchFamily="34" charset="0"/>
-              <a:buChar char="•"/>
-              <a:defRPr sz="1800" kern="1200">
-                <a:solidFill>
-                  <a:schemeClr val="tx1"/>
-                </a:solidFill>
-                <a:latin typeface="+mn-lt"/>
-                <a:ea typeface="+mn-ea"/>
-                <a:cs typeface="+mn-cs"/>
-              </a:defRPr>
-            </a:lvl6pPr>
-            <a:lvl7pPr marL="2971800" indent="-228600" algn="l" defTabSz="914400" rtl="0" eaLnBrk="1" latinLnBrk="0" hangingPunct="1">
-              <a:lnSpc>
-                <a:spcPct val="90000"/>
-              </a:lnSpc>
-              <a:spcBef>
-                <a:spcPts val="500"/>
-              </a:spcBef>
-              <a:buFont typeface="Arial" panose="020B0604020202020204" pitchFamily="34" charset="0"/>
-              <a:buChar char="•"/>
-              <a:defRPr sz="1800" kern="1200">
-                <a:solidFill>
-                  <a:schemeClr val="tx1"/>
-                </a:solidFill>
-                <a:latin typeface="+mn-lt"/>
-                <a:ea typeface="+mn-ea"/>
-                <a:cs typeface="+mn-cs"/>
-              </a:defRPr>
-            </a:lvl7pPr>
-            <a:lvl8pPr marL="3429000" indent="-228600" algn="l" defTabSz="914400" rtl="0" eaLnBrk="1" latinLnBrk="0" hangingPunct="1">
-              <a:lnSpc>
-                <a:spcPct val="90000"/>
-              </a:lnSpc>
-              <a:spcBef>
-                <a:spcPts val="500"/>
-              </a:spcBef>
-              <a:buFont typeface="Arial" panose="020B0604020202020204" pitchFamily="34" charset="0"/>
-              <a:buChar char="•"/>
-              <a:defRPr sz="1800" kern="1200">
-                <a:solidFill>
-                  <a:schemeClr val="tx1"/>
-                </a:solidFill>
-                <a:latin typeface="+mn-lt"/>
-                <a:ea typeface="+mn-ea"/>
-                <a:cs typeface="+mn-cs"/>
-              </a:defRPr>
-            </a:lvl8pPr>
-            <a:lvl9pPr marL="3886200" indent="-228600" algn="l" defTabSz="914400" rtl="0" eaLnBrk="1" latinLnBrk="0" hangingPunct="1">
-              <a:lnSpc>
-                <a:spcPct val="90000"/>
-              </a:lnSpc>
-              <a:spcBef>
-                <a:spcPts val="500"/>
-              </a:spcBef>
-              <a:buFont typeface="Arial" panose="020B0604020202020204" pitchFamily="34" charset="0"/>
-              <a:buChar char="•"/>
-              <a:defRPr sz="1800" kern="1200">
-                <a:solidFill>
-                  <a:schemeClr val="tx1"/>
-                </a:solidFill>
-                <a:latin typeface="+mn-lt"/>
-                <a:ea typeface="+mn-ea"/>
-                <a:cs typeface="+mn-cs"/>
-              </a:defRPr>
-            </a:lvl9pPr>
-          </a:lstStyle>
-          <a:p>
-            <a:endParaRPr lang="de-CH" sz="2400" dirty="0" smtClean="0"/>
-          </a:p>
-        </p:txBody>
-      </p:sp>
-    </p:spTree>
-    <p:extLst>
-      <p:ext uri="{BB962C8B-B14F-4D97-AF65-F5344CB8AC3E}">
-        <p14:creationId xmlns:p14="http://schemas.microsoft.com/office/powerpoint/2010/main" val="3883073172"/>
-      </p:ext>
-    </p:extLst>
-  </p:cSld>
-  <p:clrMapOvr>
-    <a:masterClrMapping/>
-  </p:clrMapOvr>
-  <p:timing>
-    <p:tnLst>
-      <p:par>
-        <p:cTn id="1" dur="indefinite" restart="never" nodeType="tmRoot"/>
-      </p:par>
-    </p:tnLst>
-  </p:timing>
-</p:sld>
-</file>
-
 <file path=ppt/slides/slide8.xml><?xml version="1.0" encoding="utf-8"?>
 <p:sld xmlns:a="http://schemas.openxmlformats.org/drawingml/2006/main" xmlns:r="http://schemas.openxmlformats.org/officeDocument/2006/relationships" xmlns:p="http://schemas.openxmlformats.org/presentationml/2006/main">
   <p:cSld>
@@ -9943,1765 +9378,74 @@
             <p:ph type="title"/>
           </p:nvPr>
         </p:nvSpPr>
-        <p:spPr>
-          <a:xfrm>
-            <a:off x="248560" y="147653"/>
-            <a:ext cx="10515600" cy="922151"/>
-          </a:xfrm>
-        </p:spPr>
+        <p:spPr/>
+        <p:txBody>
+          <a:bodyPr/>
+          <a:lstStyle/>
+          <a:p>
+            <a:r>
+              <a:rPr lang="de-CH" dirty="0" smtClean="0">
+                <a:solidFill>
+                  <a:srgbClr val="FF6600"/>
+                </a:solidFill>
+              </a:rPr>
+              <a:t>Demo</a:t>
+            </a:r>
+            <a:endParaRPr lang="en-US" dirty="0">
+              <a:solidFill>
+                <a:srgbClr val="FF6600"/>
+              </a:solidFill>
+            </a:endParaRPr>
+          </a:p>
+        </p:txBody>
+      </p:sp>
+      <p:sp>
+        <p:nvSpPr>
+          <p:cNvPr id="3" name="Inhaltsplatzhalter 2"/>
+          <p:cNvSpPr>
+            <a:spLocks noGrp="1"/>
+          </p:cNvSpPr>
+          <p:nvPr>
+            <p:ph idx="1"/>
+          </p:nvPr>
+        </p:nvSpPr>
+        <p:spPr/>
         <p:txBody>
           <a:bodyPr>
             <a:normAutofit/>
           </a:bodyPr>
           <a:lstStyle/>
           <a:p>
-            <a:pPr>
-              <a:lnSpc>
-                <a:spcPct val="100000"/>
-              </a:lnSpc>
-              <a:tabLst>
-                <a:tab pos="7440613" algn="r"/>
-              </a:tabLst>
-            </a:pPr>
-            <a:r>
-              <a:rPr lang="de-CH" sz="3000" b="1" dirty="0" smtClean="0">
-                <a:solidFill>
-                  <a:srgbClr val="FF6600"/>
-                </a:solidFill>
-              </a:rPr>
-              <a:t>Rajina</a:t>
-            </a:r>
-            <a:r>
-              <a:rPr lang="de-CH" sz="3000" b="1" dirty="0" smtClean="0"/>
+            <a:r>
+              <a:rPr lang="de-CH" sz="3000" dirty="0" err="1" smtClean="0"/>
+              <a:t>Application</a:t>
+            </a:r>
+            <a:r>
+              <a:rPr lang="de-CH" sz="3000" dirty="0" smtClean="0"/>
               <a:t> </a:t>
             </a:r>
-            <a:endParaRPr lang="de-CH" sz="3000" dirty="0"/>
-          </a:p>
-        </p:txBody>
-      </p:sp>
-      <p:sp>
-        <p:nvSpPr>
-          <p:cNvPr id="4" name="Inhaltsplatzhalter 2"/>
-          <p:cNvSpPr txBox="1">
-            <a:spLocks/>
-          </p:cNvSpPr>
-          <p:nvPr/>
-        </p:nvSpPr>
-        <p:spPr>
-          <a:xfrm>
-            <a:off x="6096000" y="1825624"/>
-            <a:ext cx="4855029" cy="4351338"/>
-          </a:xfrm>
-          <a:prstGeom prst="rect">
-            <a:avLst/>
-          </a:prstGeom>
-        </p:spPr>
-        <p:txBody>
-          <a:bodyPr vert="horz" lIns="91440" tIns="45720" rIns="91440" bIns="45720" rtlCol="0">
-            <a:normAutofit/>
-          </a:bodyPr>
-          <a:lstStyle>
-            <a:lvl1pPr marL="228600" indent="-228600" algn="l" defTabSz="914400" rtl="0" eaLnBrk="1" latinLnBrk="0" hangingPunct="1">
-              <a:lnSpc>
-                <a:spcPct val="90000"/>
-              </a:lnSpc>
-              <a:spcBef>
-                <a:spcPts val="1000"/>
-              </a:spcBef>
-              <a:buFont typeface="Arial" panose="020B0604020202020204" pitchFamily="34" charset="0"/>
-              <a:buChar char="•"/>
-              <a:defRPr sz="2800" kern="1200">
-                <a:solidFill>
-                  <a:schemeClr val="tx1"/>
-                </a:solidFill>
-                <a:latin typeface="+mn-lt"/>
-                <a:ea typeface="+mn-ea"/>
-                <a:cs typeface="+mn-cs"/>
-              </a:defRPr>
-            </a:lvl1pPr>
-            <a:lvl2pPr marL="685800" indent="-228600" algn="l" defTabSz="914400" rtl="0" eaLnBrk="1" latinLnBrk="0" hangingPunct="1">
-              <a:lnSpc>
-                <a:spcPct val="90000"/>
-              </a:lnSpc>
-              <a:spcBef>
-                <a:spcPts val="500"/>
-              </a:spcBef>
-              <a:buFont typeface="Arial" panose="020B0604020202020204" pitchFamily="34" charset="0"/>
-              <a:buChar char="•"/>
-              <a:defRPr sz="2400" kern="1200">
-                <a:solidFill>
-                  <a:schemeClr val="tx1"/>
-                </a:solidFill>
-                <a:latin typeface="+mn-lt"/>
-                <a:ea typeface="+mn-ea"/>
-                <a:cs typeface="+mn-cs"/>
-              </a:defRPr>
-            </a:lvl2pPr>
-            <a:lvl3pPr marL="1143000" indent="-228600" algn="l" defTabSz="914400" rtl="0" eaLnBrk="1" latinLnBrk="0" hangingPunct="1">
-              <a:lnSpc>
-                <a:spcPct val="90000"/>
-              </a:lnSpc>
-              <a:spcBef>
-                <a:spcPts val="500"/>
-              </a:spcBef>
-              <a:buFont typeface="Arial" panose="020B0604020202020204" pitchFamily="34" charset="0"/>
-              <a:buChar char="•"/>
-              <a:defRPr sz="2000" kern="1200">
-                <a:solidFill>
-                  <a:schemeClr val="tx1"/>
-                </a:solidFill>
-                <a:latin typeface="+mn-lt"/>
-                <a:ea typeface="+mn-ea"/>
-                <a:cs typeface="+mn-cs"/>
-              </a:defRPr>
-            </a:lvl3pPr>
-            <a:lvl4pPr marL="1600200" indent="-228600" algn="l" defTabSz="914400" rtl="0" eaLnBrk="1" latinLnBrk="0" hangingPunct="1">
-              <a:lnSpc>
-                <a:spcPct val="90000"/>
-              </a:lnSpc>
-              <a:spcBef>
-                <a:spcPts val="500"/>
-              </a:spcBef>
-              <a:buFont typeface="Arial" panose="020B0604020202020204" pitchFamily="34" charset="0"/>
-              <a:buChar char="•"/>
-              <a:defRPr sz="1800" kern="1200">
-                <a:solidFill>
-                  <a:schemeClr val="tx1"/>
-                </a:solidFill>
-                <a:latin typeface="+mn-lt"/>
-                <a:ea typeface="+mn-ea"/>
-                <a:cs typeface="+mn-cs"/>
-              </a:defRPr>
-            </a:lvl4pPr>
-            <a:lvl5pPr marL="2057400" indent="-228600" algn="l" defTabSz="914400" rtl="0" eaLnBrk="1" latinLnBrk="0" hangingPunct="1">
-              <a:lnSpc>
-                <a:spcPct val="90000"/>
-              </a:lnSpc>
-              <a:spcBef>
-                <a:spcPts val="500"/>
-              </a:spcBef>
-              <a:buFont typeface="Arial" panose="020B0604020202020204" pitchFamily="34" charset="0"/>
-              <a:buChar char="•"/>
-              <a:defRPr sz="1800" kern="1200">
-                <a:solidFill>
-                  <a:schemeClr val="tx1"/>
-                </a:solidFill>
-                <a:latin typeface="+mn-lt"/>
-                <a:ea typeface="+mn-ea"/>
-                <a:cs typeface="+mn-cs"/>
-              </a:defRPr>
-            </a:lvl5pPr>
-            <a:lvl6pPr marL="2514600" indent="-228600" algn="l" defTabSz="914400" rtl="0" eaLnBrk="1" latinLnBrk="0" hangingPunct="1">
-              <a:lnSpc>
-                <a:spcPct val="90000"/>
-              </a:lnSpc>
-              <a:spcBef>
-                <a:spcPts val="500"/>
-              </a:spcBef>
-              <a:buFont typeface="Arial" panose="020B0604020202020204" pitchFamily="34" charset="0"/>
-              <a:buChar char="•"/>
-              <a:defRPr sz="1800" kern="1200">
-                <a:solidFill>
-                  <a:schemeClr val="tx1"/>
-                </a:solidFill>
-                <a:latin typeface="+mn-lt"/>
-                <a:ea typeface="+mn-ea"/>
-                <a:cs typeface="+mn-cs"/>
-              </a:defRPr>
-            </a:lvl6pPr>
-            <a:lvl7pPr marL="2971800" indent="-228600" algn="l" defTabSz="914400" rtl="0" eaLnBrk="1" latinLnBrk="0" hangingPunct="1">
-              <a:lnSpc>
-                <a:spcPct val="90000"/>
-              </a:lnSpc>
-              <a:spcBef>
-                <a:spcPts val="500"/>
-              </a:spcBef>
-              <a:buFont typeface="Arial" panose="020B0604020202020204" pitchFamily="34" charset="0"/>
-              <a:buChar char="•"/>
-              <a:defRPr sz="1800" kern="1200">
-                <a:solidFill>
-                  <a:schemeClr val="tx1"/>
-                </a:solidFill>
-                <a:latin typeface="+mn-lt"/>
-                <a:ea typeface="+mn-ea"/>
-                <a:cs typeface="+mn-cs"/>
-              </a:defRPr>
-            </a:lvl7pPr>
-            <a:lvl8pPr marL="3429000" indent="-228600" algn="l" defTabSz="914400" rtl="0" eaLnBrk="1" latinLnBrk="0" hangingPunct="1">
-              <a:lnSpc>
-                <a:spcPct val="90000"/>
-              </a:lnSpc>
-              <a:spcBef>
-                <a:spcPts val="500"/>
-              </a:spcBef>
-              <a:buFont typeface="Arial" panose="020B0604020202020204" pitchFamily="34" charset="0"/>
-              <a:buChar char="•"/>
-              <a:defRPr sz="1800" kern="1200">
-                <a:solidFill>
-                  <a:schemeClr val="tx1"/>
-                </a:solidFill>
-                <a:latin typeface="+mn-lt"/>
-                <a:ea typeface="+mn-ea"/>
-                <a:cs typeface="+mn-cs"/>
-              </a:defRPr>
-            </a:lvl8pPr>
-            <a:lvl9pPr marL="3886200" indent="-228600" algn="l" defTabSz="914400" rtl="0" eaLnBrk="1" latinLnBrk="0" hangingPunct="1">
-              <a:lnSpc>
-                <a:spcPct val="90000"/>
-              </a:lnSpc>
-              <a:spcBef>
-                <a:spcPts val="500"/>
-              </a:spcBef>
-              <a:buFont typeface="Arial" panose="020B0604020202020204" pitchFamily="34" charset="0"/>
-              <a:buChar char="•"/>
-              <a:defRPr sz="1800" kern="1200">
-                <a:solidFill>
-                  <a:schemeClr val="tx1"/>
-                </a:solidFill>
-                <a:latin typeface="+mn-lt"/>
-                <a:ea typeface="+mn-ea"/>
-                <a:cs typeface="+mn-cs"/>
-              </a:defRPr>
-            </a:lvl9pPr>
-          </a:lstStyle>
-          <a:p>
-            <a:pPr marL="0" indent="0">
-              <a:buFont typeface="Arial" panose="020B0604020202020204" pitchFamily="34" charset="0"/>
-              <a:buNone/>
-            </a:pPr>
-            <a:endParaRPr lang="de-CH" dirty="0"/>
-          </a:p>
-        </p:txBody>
-      </p:sp>
-      <p:sp>
-        <p:nvSpPr>
-          <p:cNvPr id="9" name="Rechteck 8"/>
-          <p:cNvSpPr/>
-          <p:nvPr/>
-        </p:nvSpPr>
-        <p:spPr>
-          <a:xfrm flipH="1">
-            <a:off x="3911600" y="1696720"/>
-            <a:ext cx="71120" cy="3684734"/>
-          </a:xfrm>
-          <a:prstGeom prst="rect">
-            <a:avLst/>
-          </a:prstGeom>
-          <a:solidFill>
-            <a:schemeClr val="bg1"/>
-          </a:solidFill>
-          <a:ln>
-            <a:solidFill>
-              <a:schemeClr val="bg1"/>
-            </a:solidFill>
-          </a:ln>
-        </p:spPr>
-        <p:style>
-          <a:lnRef idx="2">
-            <a:schemeClr val="accent1">
-              <a:shade val="50000"/>
-            </a:schemeClr>
-          </a:lnRef>
-          <a:fillRef idx="1">
-            <a:schemeClr val="accent1"/>
-          </a:fillRef>
-          <a:effectRef idx="0">
-            <a:schemeClr val="accent1"/>
-          </a:effectRef>
-          <a:fontRef idx="minor">
-            <a:schemeClr val="lt1"/>
-          </a:fontRef>
-        </p:style>
-        <p:txBody>
-          <a:bodyPr rtlCol="0" anchor="ctr"/>
-          <a:lstStyle/>
-          <a:p>
-            <a:pPr algn="ctr"/>
-            <a:endParaRPr lang="de-CH"/>
-          </a:p>
-        </p:txBody>
-      </p:sp>
-      <p:sp>
-        <p:nvSpPr>
-          <p:cNvPr id="10" name="Rechteck 9"/>
-          <p:cNvSpPr/>
-          <p:nvPr/>
-        </p:nvSpPr>
-        <p:spPr>
-          <a:xfrm flipH="1">
-            <a:off x="3895464" y="1524000"/>
-            <a:ext cx="71120" cy="3684734"/>
-          </a:xfrm>
-          <a:prstGeom prst="rect">
-            <a:avLst/>
-          </a:prstGeom>
-          <a:solidFill>
-            <a:schemeClr val="bg1"/>
-          </a:solidFill>
-          <a:ln>
-            <a:solidFill>
-              <a:schemeClr val="bg1"/>
-            </a:solidFill>
-          </a:ln>
-        </p:spPr>
-        <p:style>
-          <a:lnRef idx="2">
-            <a:schemeClr val="accent1">
-              <a:shade val="50000"/>
-            </a:schemeClr>
-          </a:lnRef>
-          <a:fillRef idx="1">
-            <a:schemeClr val="accent1"/>
-          </a:fillRef>
-          <a:effectRef idx="0">
-            <a:schemeClr val="accent1"/>
-          </a:effectRef>
-          <a:fontRef idx="minor">
-            <a:schemeClr val="lt1"/>
-          </a:fontRef>
-        </p:style>
-        <p:txBody>
-          <a:bodyPr rtlCol="0" anchor="ctr"/>
-          <a:lstStyle/>
-          <a:p>
-            <a:pPr algn="ctr"/>
-            <a:endParaRPr lang="de-CH"/>
-          </a:p>
-        </p:txBody>
-      </p:sp>
-      <p:sp>
-        <p:nvSpPr>
-          <p:cNvPr id="11" name="Rechteck 10"/>
-          <p:cNvSpPr/>
-          <p:nvPr/>
-        </p:nvSpPr>
-        <p:spPr>
-          <a:xfrm flipH="1">
-            <a:off x="3867972" y="2570480"/>
-            <a:ext cx="71120" cy="3684734"/>
-          </a:xfrm>
-          <a:prstGeom prst="rect">
-            <a:avLst/>
-          </a:prstGeom>
-          <a:solidFill>
-            <a:schemeClr val="bg1"/>
-          </a:solidFill>
-          <a:ln>
-            <a:solidFill>
-              <a:schemeClr val="bg1"/>
-            </a:solidFill>
-          </a:ln>
-        </p:spPr>
-        <p:style>
-          <a:lnRef idx="2">
-            <a:schemeClr val="accent1">
-              <a:shade val="50000"/>
-            </a:schemeClr>
-          </a:lnRef>
-          <a:fillRef idx="1">
-            <a:schemeClr val="accent1"/>
-          </a:fillRef>
-          <a:effectRef idx="0">
-            <a:schemeClr val="accent1"/>
-          </a:effectRef>
-          <a:fontRef idx="minor">
-            <a:schemeClr val="lt1"/>
-          </a:fontRef>
-        </p:style>
-        <p:txBody>
-          <a:bodyPr rtlCol="0" anchor="ctr"/>
-          <a:lstStyle/>
-          <a:p>
-            <a:pPr algn="ctr"/>
-            <a:endParaRPr lang="de-CH"/>
-          </a:p>
-        </p:txBody>
-      </p:sp>
-      <p:sp>
-        <p:nvSpPr>
-          <p:cNvPr id="12" name="Rechteck 11"/>
-          <p:cNvSpPr/>
-          <p:nvPr/>
-        </p:nvSpPr>
-        <p:spPr>
-          <a:xfrm flipV="1">
-            <a:off x="3819264" y="6369963"/>
-            <a:ext cx="152400" cy="115942"/>
-          </a:xfrm>
-          <a:prstGeom prst="rect">
-            <a:avLst/>
-          </a:prstGeom>
-          <a:solidFill>
-            <a:schemeClr val="bg1"/>
-          </a:solidFill>
-          <a:ln>
-            <a:solidFill>
-              <a:schemeClr val="bg1"/>
-            </a:solidFill>
-          </a:ln>
-        </p:spPr>
-        <p:style>
-          <a:lnRef idx="2">
-            <a:schemeClr val="accent1">
-              <a:shade val="50000"/>
-            </a:schemeClr>
-          </a:lnRef>
-          <a:fillRef idx="1">
-            <a:schemeClr val="accent1"/>
-          </a:fillRef>
-          <a:effectRef idx="0">
-            <a:schemeClr val="accent1"/>
-          </a:effectRef>
-          <a:fontRef idx="minor">
-            <a:schemeClr val="lt1"/>
-          </a:fontRef>
-        </p:style>
-        <p:txBody>
-          <a:bodyPr rtlCol="0" anchor="ctr"/>
-          <a:lstStyle/>
-          <a:p>
-            <a:pPr algn="ctr"/>
-            <a:endParaRPr lang="de-CH"/>
-          </a:p>
-        </p:txBody>
-      </p:sp>
-      <p:sp>
-        <p:nvSpPr>
-          <p:cNvPr id="14" name="Rechteck 13"/>
-          <p:cNvSpPr/>
-          <p:nvPr/>
-        </p:nvSpPr>
-        <p:spPr>
-          <a:xfrm flipV="1">
-            <a:off x="3819264" y="6328370"/>
-            <a:ext cx="152400" cy="115942"/>
-          </a:xfrm>
-          <a:prstGeom prst="rect">
-            <a:avLst/>
-          </a:prstGeom>
-          <a:solidFill>
-            <a:schemeClr val="bg1"/>
-          </a:solidFill>
-          <a:ln>
-            <a:solidFill>
-              <a:schemeClr val="bg1"/>
-            </a:solidFill>
-          </a:ln>
-        </p:spPr>
-        <p:style>
-          <a:lnRef idx="2">
-            <a:schemeClr val="accent1">
-              <a:shade val="50000"/>
-            </a:schemeClr>
-          </a:lnRef>
-          <a:fillRef idx="1">
-            <a:schemeClr val="accent1"/>
-          </a:fillRef>
-          <a:effectRef idx="0">
-            <a:schemeClr val="accent1"/>
-          </a:effectRef>
-          <a:fontRef idx="minor">
-            <a:schemeClr val="lt1"/>
-          </a:fontRef>
-        </p:style>
-        <p:txBody>
-          <a:bodyPr rtlCol="0" anchor="ctr"/>
-          <a:lstStyle/>
-          <a:p>
-            <a:pPr algn="ctr"/>
-            <a:endParaRPr lang="de-CH"/>
-          </a:p>
-        </p:txBody>
-      </p:sp>
-      <p:sp>
-        <p:nvSpPr>
-          <p:cNvPr id="15" name="Rechteck 14"/>
-          <p:cNvSpPr/>
-          <p:nvPr/>
-        </p:nvSpPr>
-        <p:spPr>
-          <a:xfrm flipH="1" flipV="1">
-            <a:off x="2163184" y="6490930"/>
-            <a:ext cx="152400" cy="193040"/>
-          </a:xfrm>
-          <a:prstGeom prst="rect">
-            <a:avLst/>
-          </a:prstGeom>
-          <a:solidFill>
-            <a:schemeClr val="bg1"/>
-          </a:solidFill>
-          <a:ln>
-            <a:solidFill>
-              <a:schemeClr val="bg1"/>
-            </a:solidFill>
-          </a:ln>
-        </p:spPr>
-        <p:style>
-          <a:lnRef idx="2">
-            <a:schemeClr val="accent1">
-              <a:shade val="50000"/>
-            </a:schemeClr>
-          </a:lnRef>
-          <a:fillRef idx="1">
-            <a:schemeClr val="accent1"/>
-          </a:fillRef>
-          <a:effectRef idx="0">
-            <a:schemeClr val="accent1"/>
-          </a:effectRef>
-          <a:fontRef idx="minor">
-            <a:schemeClr val="lt1"/>
-          </a:fontRef>
-        </p:style>
-        <p:txBody>
-          <a:bodyPr rtlCol="0" anchor="ctr"/>
-          <a:lstStyle/>
-          <a:p>
-            <a:pPr algn="ctr"/>
-            <a:endParaRPr lang="de-CH"/>
-          </a:p>
-        </p:txBody>
-      </p:sp>
-      <p:sp>
-        <p:nvSpPr>
-          <p:cNvPr id="17" name="Rechteck 16"/>
-          <p:cNvSpPr/>
-          <p:nvPr/>
-        </p:nvSpPr>
-        <p:spPr>
-          <a:xfrm flipV="1">
-            <a:off x="3819264" y="1295652"/>
-            <a:ext cx="376816" cy="155192"/>
-          </a:xfrm>
-          <a:prstGeom prst="rect">
-            <a:avLst/>
-          </a:prstGeom>
-          <a:solidFill>
-            <a:schemeClr val="bg1"/>
-          </a:solidFill>
-          <a:ln>
-            <a:solidFill>
-              <a:schemeClr val="bg1"/>
-            </a:solidFill>
-          </a:ln>
-        </p:spPr>
-        <p:style>
-          <a:lnRef idx="2">
-            <a:schemeClr val="accent1">
-              <a:shade val="50000"/>
-            </a:schemeClr>
-          </a:lnRef>
-          <a:fillRef idx="1">
-            <a:schemeClr val="accent1"/>
-          </a:fillRef>
-          <a:effectRef idx="0">
-            <a:schemeClr val="accent1"/>
-          </a:effectRef>
-          <a:fontRef idx="minor">
-            <a:schemeClr val="lt1"/>
-          </a:fontRef>
-        </p:style>
-        <p:txBody>
-          <a:bodyPr rtlCol="0" anchor="ctr"/>
-          <a:lstStyle/>
-          <a:p>
-            <a:pPr algn="ctr"/>
-            <a:endParaRPr lang="de-CH"/>
-          </a:p>
-        </p:txBody>
-      </p:sp>
-      <p:sp>
-        <p:nvSpPr>
-          <p:cNvPr id="13" name="Inhaltsplatzhalter 2"/>
-          <p:cNvSpPr txBox="1">
-            <a:spLocks/>
-          </p:cNvSpPr>
-          <p:nvPr/>
-        </p:nvSpPr>
-        <p:spPr>
-          <a:xfrm>
-            <a:off x="1378800" y="1231200"/>
-            <a:ext cx="10515600" cy="4351338"/>
-          </a:xfrm>
-          <a:prstGeom prst="rect">
-            <a:avLst/>
-          </a:prstGeom>
-        </p:spPr>
-        <p:txBody>
-          <a:bodyPr vert="horz" lIns="91440" tIns="45720" rIns="91440" bIns="45720" rtlCol="0">
-            <a:normAutofit/>
-          </a:bodyPr>
-          <a:lstStyle>
-            <a:lvl1pPr marL="228600" indent="-228600" algn="l" defTabSz="914400" rtl="0" eaLnBrk="1" latinLnBrk="0" hangingPunct="1">
-              <a:lnSpc>
-                <a:spcPct val="90000"/>
-              </a:lnSpc>
-              <a:spcBef>
-                <a:spcPts val="1000"/>
-              </a:spcBef>
-              <a:buFont typeface="Arial" panose="020B0604020202020204" pitchFamily="34" charset="0"/>
-              <a:buChar char="•"/>
-              <a:defRPr sz="2800" kern="1200">
-                <a:solidFill>
-                  <a:schemeClr val="tx1"/>
-                </a:solidFill>
-                <a:latin typeface="+mn-lt"/>
-                <a:ea typeface="+mn-ea"/>
-                <a:cs typeface="+mn-cs"/>
-              </a:defRPr>
-            </a:lvl1pPr>
-            <a:lvl2pPr marL="685800" indent="-228600" algn="l" defTabSz="914400" rtl="0" eaLnBrk="1" latinLnBrk="0" hangingPunct="1">
-              <a:lnSpc>
-                <a:spcPct val="90000"/>
-              </a:lnSpc>
-              <a:spcBef>
-                <a:spcPts val="500"/>
-              </a:spcBef>
-              <a:buFont typeface="Arial" panose="020B0604020202020204" pitchFamily="34" charset="0"/>
-              <a:buChar char="•"/>
-              <a:defRPr sz="2400" kern="1200">
-                <a:solidFill>
-                  <a:schemeClr val="tx1"/>
-                </a:solidFill>
-                <a:latin typeface="+mn-lt"/>
-                <a:ea typeface="+mn-ea"/>
-                <a:cs typeface="+mn-cs"/>
-              </a:defRPr>
-            </a:lvl2pPr>
-            <a:lvl3pPr marL="1143000" indent="-228600" algn="l" defTabSz="914400" rtl="0" eaLnBrk="1" latinLnBrk="0" hangingPunct="1">
-              <a:lnSpc>
-                <a:spcPct val="90000"/>
-              </a:lnSpc>
-              <a:spcBef>
-                <a:spcPts val="500"/>
-              </a:spcBef>
-              <a:buFont typeface="Arial" panose="020B0604020202020204" pitchFamily="34" charset="0"/>
-              <a:buChar char="•"/>
-              <a:defRPr sz="2000" kern="1200">
-                <a:solidFill>
-                  <a:schemeClr val="tx1"/>
-                </a:solidFill>
-                <a:latin typeface="+mn-lt"/>
-                <a:ea typeface="+mn-ea"/>
-                <a:cs typeface="+mn-cs"/>
-              </a:defRPr>
-            </a:lvl3pPr>
-            <a:lvl4pPr marL="1600200" indent="-228600" algn="l" defTabSz="914400" rtl="0" eaLnBrk="1" latinLnBrk="0" hangingPunct="1">
-              <a:lnSpc>
-                <a:spcPct val="90000"/>
-              </a:lnSpc>
-              <a:spcBef>
-                <a:spcPts val="500"/>
-              </a:spcBef>
-              <a:buFont typeface="Arial" panose="020B0604020202020204" pitchFamily="34" charset="0"/>
-              <a:buChar char="•"/>
-              <a:defRPr sz="1800" kern="1200">
-                <a:solidFill>
-                  <a:schemeClr val="tx1"/>
-                </a:solidFill>
-                <a:latin typeface="+mn-lt"/>
-                <a:ea typeface="+mn-ea"/>
-                <a:cs typeface="+mn-cs"/>
-              </a:defRPr>
-            </a:lvl4pPr>
-            <a:lvl5pPr marL="2057400" indent="-228600" algn="l" defTabSz="914400" rtl="0" eaLnBrk="1" latinLnBrk="0" hangingPunct="1">
-              <a:lnSpc>
-                <a:spcPct val="90000"/>
-              </a:lnSpc>
-              <a:spcBef>
-                <a:spcPts val="500"/>
-              </a:spcBef>
-              <a:buFont typeface="Arial" panose="020B0604020202020204" pitchFamily="34" charset="0"/>
-              <a:buChar char="•"/>
-              <a:defRPr sz="1800" kern="1200">
-                <a:solidFill>
-                  <a:schemeClr val="tx1"/>
-                </a:solidFill>
-                <a:latin typeface="+mn-lt"/>
-                <a:ea typeface="+mn-ea"/>
-                <a:cs typeface="+mn-cs"/>
-              </a:defRPr>
-            </a:lvl5pPr>
-            <a:lvl6pPr marL="2514600" indent="-228600" algn="l" defTabSz="914400" rtl="0" eaLnBrk="1" latinLnBrk="0" hangingPunct="1">
-              <a:lnSpc>
-                <a:spcPct val="90000"/>
-              </a:lnSpc>
-              <a:spcBef>
-                <a:spcPts val="500"/>
-              </a:spcBef>
-              <a:buFont typeface="Arial" panose="020B0604020202020204" pitchFamily="34" charset="0"/>
-              <a:buChar char="•"/>
-              <a:defRPr sz="1800" kern="1200">
-                <a:solidFill>
-                  <a:schemeClr val="tx1"/>
-                </a:solidFill>
-                <a:latin typeface="+mn-lt"/>
-                <a:ea typeface="+mn-ea"/>
-                <a:cs typeface="+mn-cs"/>
-              </a:defRPr>
-            </a:lvl6pPr>
-            <a:lvl7pPr marL="2971800" indent="-228600" algn="l" defTabSz="914400" rtl="0" eaLnBrk="1" latinLnBrk="0" hangingPunct="1">
-              <a:lnSpc>
-                <a:spcPct val="90000"/>
-              </a:lnSpc>
-              <a:spcBef>
-                <a:spcPts val="500"/>
-              </a:spcBef>
-              <a:buFont typeface="Arial" panose="020B0604020202020204" pitchFamily="34" charset="0"/>
-              <a:buChar char="•"/>
-              <a:defRPr sz="1800" kern="1200">
-                <a:solidFill>
-                  <a:schemeClr val="tx1"/>
-                </a:solidFill>
-                <a:latin typeface="+mn-lt"/>
-                <a:ea typeface="+mn-ea"/>
-                <a:cs typeface="+mn-cs"/>
-              </a:defRPr>
-            </a:lvl7pPr>
-            <a:lvl8pPr marL="3429000" indent="-228600" algn="l" defTabSz="914400" rtl="0" eaLnBrk="1" latinLnBrk="0" hangingPunct="1">
-              <a:lnSpc>
-                <a:spcPct val="90000"/>
-              </a:lnSpc>
-              <a:spcBef>
-                <a:spcPts val="500"/>
-              </a:spcBef>
-              <a:buFont typeface="Arial" panose="020B0604020202020204" pitchFamily="34" charset="0"/>
-              <a:buChar char="•"/>
-              <a:defRPr sz="1800" kern="1200">
-                <a:solidFill>
-                  <a:schemeClr val="tx1"/>
-                </a:solidFill>
-                <a:latin typeface="+mn-lt"/>
-                <a:ea typeface="+mn-ea"/>
-                <a:cs typeface="+mn-cs"/>
-              </a:defRPr>
-            </a:lvl8pPr>
-            <a:lvl9pPr marL="3886200" indent="-228600" algn="l" defTabSz="914400" rtl="0" eaLnBrk="1" latinLnBrk="0" hangingPunct="1">
-              <a:lnSpc>
-                <a:spcPct val="90000"/>
-              </a:lnSpc>
-              <a:spcBef>
-                <a:spcPts val="500"/>
-              </a:spcBef>
-              <a:buFont typeface="Arial" panose="020B0604020202020204" pitchFamily="34" charset="0"/>
-              <a:buChar char="•"/>
-              <a:defRPr sz="1800" kern="1200">
-                <a:solidFill>
-                  <a:schemeClr val="tx1"/>
-                </a:solidFill>
-                <a:latin typeface="+mn-lt"/>
-                <a:ea typeface="+mn-ea"/>
-                <a:cs typeface="+mn-cs"/>
-              </a:defRPr>
-            </a:lvl9pPr>
-          </a:lstStyle>
-          <a:p>
-            <a:endParaRPr lang="de-CH" sz="2400" dirty="0" smtClean="0"/>
-          </a:p>
-        </p:txBody>
-      </p:sp>
-      <p:pic>
-        <p:nvPicPr>
-          <p:cNvPr id="3" name="Grafik 2" descr="Bildschirmausschnitt"/>
-          <p:cNvPicPr>
-            <a:picLocks noChangeAspect="1"/>
-          </p:cNvPicPr>
-          <p:nvPr/>
-        </p:nvPicPr>
-        <p:blipFill>
-          <a:blip r:embed="rId2">
-            <a:extLst>
-              <a:ext uri="{28A0092B-C50C-407E-A947-70E740481C1C}">
-                <a14:useLocalDpi xmlns:a14="http://schemas.microsoft.com/office/drawing/2010/main" val="0"/>
-              </a:ext>
-            </a:extLst>
-          </a:blip>
-          <a:stretch>
-            <a:fillRect/>
-          </a:stretch>
-        </p:blipFill>
-        <p:spPr>
-          <a:xfrm>
-            <a:off x="5260622" y="2903843"/>
-            <a:ext cx="5950983" cy="3744260"/>
-          </a:xfrm>
-          <a:prstGeom prst="rect">
-            <a:avLst/>
-          </a:prstGeom>
-          <a:ln>
-            <a:solidFill>
-              <a:srgbClr val="FF9933"/>
-            </a:solidFill>
-          </a:ln>
-        </p:spPr>
-      </p:pic>
-      <p:pic>
-        <p:nvPicPr>
-          <p:cNvPr id="5" name="Grafik 4" descr="Bildschirmausschnitt"/>
-          <p:cNvPicPr>
-            <a:picLocks noChangeAspect="1"/>
-          </p:cNvPicPr>
-          <p:nvPr/>
-        </p:nvPicPr>
-        <p:blipFill rotWithShape="1">
-          <a:blip r:embed="rId3">
-            <a:extLst>
-              <a:ext uri="{28A0092B-C50C-407E-A947-70E740481C1C}">
-                <a14:useLocalDpi xmlns:a14="http://schemas.microsoft.com/office/drawing/2010/main" val="0"/>
-              </a:ext>
-            </a:extLst>
-          </a:blip>
-          <a:srcRect t="19011"/>
-          <a:stretch/>
-        </p:blipFill>
-        <p:spPr>
-          <a:xfrm>
-            <a:off x="4196080" y="335911"/>
-            <a:ext cx="6790008" cy="2376177"/>
-          </a:xfrm>
-          <a:prstGeom prst="rect">
-            <a:avLst/>
-          </a:prstGeom>
-          <a:ln>
-            <a:solidFill>
-              <a:srgbClr val="FFC000"/>
-            </a:solidFill>
-          </a:ln>
-        </p:spPr>
-      </p:pic>
-      <p:sp>
-        <p:nvSpPr>
-          <p:cNvPr id="16" name="Titel 1"/>
-          <p:cNvSpPr txBox="1">
-            <a:spLocks/>
-          </p:cNvSpPr>
-          <p:nvPr/>
-        </p:nvSpPr>
-        <p:spPr>
-          <a:xfrm>
-            <a:off x="652377" y="4122720"/>
-            <a:ext cx="10515600" cy="922151"/>
-          </a:xfrm>
-          <a:prstGeom prst="rect">
-            <a:avLst/>
-          </a:prstGeom>
-        </p:spPr>
-        <p:txBody>
-          <a:bodyPr vert="horz" lIns="91440" tIns="45720" rIns="91440" bIns="45720" rtlCol="0" anchor="ctr">
-            <a:normAutofit/>
-          </a:bodyPr>
-          <a:lstStyle>
-            <a:lvl1pPr algn="l" defTabSz="914400" rtl="0" eaLnBrk="1" latinLnBrk="0" hangingPunct="1">
-              <a:lnSpc>
-                <a:spcPct val="90000"/>
-              </a:lnSpc>
-              <a:spcBef>
-                <a:spcPct val="0"/>
-              </a:spcBef>
-              <a:buNone/>
-              <a:defRPr sz="4400" kern="1200">
-                <a:solidFill>
-                  <a:schemeClr val="tx1"/>
-                </a:solidFill>
-                <a:latin typeface="+mj-lt"/>
-                <a:ea typeface="+mj-ea"/>
-                <a:cs typeface="+mj-cs"/>
-              </a:defRPr>
-            </a:lvl1pPr>
-          </a:lstStyle>
-          <a:p>
-            <a:pPr>
-              <a:lnSpc>
-                <a:spcPct val="100000"/>
-              </a:lnSpc>
-              <a:tabLst>
-                <a:tab pos="7440613" algn="r"/>
-              </a:tabLst>
-            </a:pPr>
-            <a:r>
-              <a:rPr lang="de-CH" sz="3000" b="1" dirty="0" smtClean="0"/>
-              <a:t>– Session</a:t>
-            </a:r>
-            <a:endParaRPr lang="de-CH" sz="3000" dirty="0"/>
-          </a:p>
-        </p:txBody>
-      </p:sp>
-      <p:sp>
-        <p:nvSpPr>
-          <p:cNvPr id="18" name="Titel 1"/>
-          <p:cNvSpPr txBox="1">
-            <a:spLocks/>
-          </p:cNvSpPr>
-          <p:nvPr/>
-        </p:nvSpPr>
-        <p:spPr>
-          <a:xfrm>
-            <a:off x="696005" y="1307835"/>
-            <a:ext cx="10515600" cy="922151"/>
-          </a:xfrm>
-          <a:prstGeom prst="rect">
-            <a:avLst/>
-          </a:prstGeom>
-        </p:spPr>
-        <p:txBody>
-          <a:bodyPr vert="horz" lIns="91440" tIns="45720" rIns="91440" bIns="45720" rtlCol="0" anchor="ctr">
-            <a:normAutofit/>
-          </a:bodyPr>
-          <a:lstStyle>
-            <a:lvl1pPr algn="l" defTabSz="914400" rtl="0" eaLnBrk="1" latinLnBrk="0" hangingPunct="1">
-              <a:lnSpc>
-                <a:spcPct val="90000"/>
-              </a:lnSpc>
-              <a:spcBef>
-                <a:spcPct val="0"/>
-              </a:spcBef>
-              <a:buNone/>
-              <a:defRPr sz="4400" kern="1200">
-                <a:solidFill>
-                  <a:schemeClr val="tx1"/>
-                </a:solidFill>
-                <a:latin typeface="+mj-lt"/>
-                <a:ea typeface="+mj-ea"/>
-                <a:cs typeface="+mj-cs"/>
-              </a:defRPr>
-            </a:lvl1pPr>
-          </a:lstStyle>
-          <a:p>
-            <a:pPr>
-              <a:lnSpc>
-                <a:spcPct val="100000"/>
-              </a:lnSpc>
-              <a:tabLst>
-                <a:tab pos="7440613" algn="r"/>
-              </a:tabLst>
-            </a:pPr>
-            <a:r>
-              <a:rPr lang="de-CH" sz="3000" b="1" dirty="0" smtClean="0"/>
-              <a:t>– Login</a:t>
-            </a:r>
-            <a:endParaRPr lang="de-CH" sz="3000" dirty="0"/>
+            <a:r>
+              <a:rPr lang="de-CH" sz="3000" dirty="0" err="1" smtClean="0"/>
+              <a:t>mentalhealth</a:t>
+            </a:r>
+            <a:r>
+              <a:rPr lang="de-CH" sz="3000" dirty="0" smtClean="0"/>
+              <a:t> care</a:t>
+            </a:r>
+            <a:endParaRPr lang="en-US" sz="3000" dirty="0"/>
           </a:p>
         </p:txBody>
       </p:sp>
     </p:spTree>
     <p:extLst>
       <p:ext uri="{BB962C8B-B14F-4D97-AF65-F5344CB8AC3E}">
-        <p14:creationId xmlns:p14="http://schemas.microsoft.com/office/powerpoint/2010/main" val="1907009073"/>
+        <p14:creationId xmlns:p14="http://schemas.microsoft.com/office/powerpoint/2010/main" val="3391282568"/>
       </p:ext>
     </p:extLst>
   </p:cSld>
   <p:clrMapOvr>
     <a:masterClrMapping/>
   </p:clrMapOvr>
-  <p:timing>
-    <p:tnLst>
-      <p:par>
-        <p:cTn id="1" dur="indefinite" restart="never" nodeType="tmRoot"/>
-      </p:par>
-    </p:tnLst>
-  </p:timing>
-</p:sld>
-</file>
-
-<file path=ppt/slides/slide9.xml><?xml version="1.0" encoding="utf-8"?>
-<p:sld xmlns:a="http://schemas.openxmlformats.org/drawingml/2006/main" xmlns:r="http://schemas.openxmlformats.org/officeDocument/2006/relationships" xmlns:p="http://schemas.openxmlformats.org/presentationml/2006/main">
-  <p:cSld>
-    <p:spTree>
-      <p:nvGrpSpPr>
-        <p:cNvPr id="1" name=""/>
-        <p:cNvGrpSpPr/>
-        <p:nvPr/>
-      </p:nvGrpSpPr>
-      <p:grpSpPr>
-        <a:xfrm>
-          <a:off x="0" y="0"/>
-          <a:ext cx="0" cy="0"/>
-          <a:chOff x="0" y="0"/>
-          <a:chExt cx="0" cy="0"/>
-        </a:xfrm>
-      </p:grpSpPr>
-      <p:sp>
-        <p:nvSpPr>
-          <p:cNvPr id="2" name="Titel 1"/>
-          <p:cNvSpPr>
-            <a:spLocks noGrp="1"/>
-          </p:cNvSpPr>
-          <p:nvPr>
-            <p:ph type="title"/>
-          </p:nvPr>
-        </p:nvSpPr>
-        <p:spPr>
-          <a:xfrm>
-            <a:off x="598516" y="531617"/>
-            <a:ext cx="10515600" cy="922151"/>
-          </a:xfrm>
-        </p:spPr>
-        <p:txBody>
-          <a:bodyPr>
-            <a:normAutofit/>
-          </a:bodyPr>
-          <a:lstStyle/>
-          <a:p>
-            <a:pPr>
-              <a:lnSpc>
-                <a:spcPct val="100000"/>
-              </a:lnSpc>
-              <a:tabLst>
-                <a:tab pos="7440613" algn="r"/>
-              </a:tabLst>
-            </a:pPr>
-            <a:r>
-              <a:rPr lang="de-CH" sz="3000" b="1" dirty="0" smtClean="0">
-                <a:solidFill>
-                  <a:srgbClr val="FF6600"/>
-                </a:solidFill>
-              </a:rPr>
-              <a:t>Elisa</a:t>
-            </a:r>
-            <a:endParaRPr lang="de-CH" sz="3000" dirty="0">
-              <a:solidFill>
-                <a:srgbClr val="FF6600"/>
-              </a:solidFill>
-            </a:endParaRPr>
-          </a:p>
-        </p:txBody>
-      </p:sp>
-      <p:sp>
-        <p:nvSpPr>
-          <p:cNvPr id="4" name="Inhaltsplatzhalter 2"/>
-          <p:cNvSpPr txBox="1">
-            <a:spLocks/>
-          </p:cNvSpPr>
-          <p:nvPr/>
-        </p:nvSpPr>
-        <p:spPr>
-          <a:xfrm>
-            <a:off x="6096000" y="1825624"/>
-            <a:ext cx="4855029" cy="4351338"/>
-          </a:xfrm>
-          <a:prstGeom prst="rect">
-            <a:avLst/>
-          </a:prstGeom>
-        </p:spPr>
-        <p:txBody>
-          <a:bodyPr vert="horz" lIns="91440" tIns="45720" rIns="91440" bIns="45720" rtlCol="0">
-            <a:normAutofit/>
-          </a:bodyPr>
-          <a:lstStyle>
-            <a:lvl1pPr marL="228600" indent="-228600" algn="l" defTabSz="914400" rtl="0" eaLnBrk="1" latinLnBrk="0" hangingPunct="1">
-              <a:lnSpc>
-                <a:spcPct val="90000"/>
-              </a:lnSpc>
-              <a:spcBef>
-                <a:spcPts val="1000"/>
-              </a:spcBef>
-              <a:buFont typeface="Arial" panose="020B0604020202020204" pitchFamily="34" charset="0"/>
-              <a:buChar char="•"/>
-              <a:defRPr sz="2800" kern="1200">
-                <a:solidFill>
-                  <a:schemeClr val="tx1"/>
-                </a:solidFill>
-                <a:latin typeface="+mn-lt"/>
-                <a:ea typeface="+mn-ea"/>
-                <a:cs typeface="+mn-cs"/>
-              </a:defRPr>
-            </a:lvl1pPr>
-            <a:lvl2pPr marL="685800" indent="-228600" algn="l" defTabSz="914400" rtl="0" eaLnBrk="1" latinLnBrk="0" hangingPunct="1">
-              <a:lnSpc>
-                <a:spcPct val="90000"/>
-              </a:lnSpc>
-              <a:spcBef>
-                <a:spcPts val="500"/>
-              </a:spcBef>
-              <a:buFont typeface="Arial" panose="020B0604020202020204" pitchFamily="34" charset="0"/>
-              <a:buChar char="•"/>
-              <a:defRPr sz="2400" kern="1200">
-                <a:solidFill>
-                  <a:schemeClr val="tx1"/>
-                </a:solidFill>
-                <a:latin typeface="+mn-lt"/>
-                <a:ea typeface="+mn-ea"/>
-                <a:cs typeface="+mn-cs"/>
-              </a:defRPr>
-            </a:lvl2pPr>
-            <a:lvl3pPr marL="1143000" indent="-228600" algn="l" defTabSz="914400" rtl="0" eaLnBrk="1" latinLnBrk="0" hangingPunct="1">
-              <a:lnSpc>
-                <a:spcPct val="90000"/>
-              </a:lnSpc>
-              <a:spcBef>
-                <a:spcPts val="500"/>
-              </a:spcBef>
-              <a:buFont typeface="Arial" panose="020B0604020202020204" pitchFamily="34" charset="0"/>
-              <a:buChar char="•"/>
-              <a:defRPr sz="2000" kern="1200">
-                <a:solidFill>
-                  <a:schemeClr val="tx1"/>
-                </a:solidFill>
-                <a:latin typeface="+mn-lt"/>
-                <a:ea typeface="+mn-ea"/>
-                <a:cs typeface="+mn-cs"/>
-              </a:defRPr>
-            </a:lvl3pPr>
-            <a:lvl4pPr marL="1600200" indent="-228600" algn="l" defTabSz="914400" rtl="0" eaLnBrk="1" latinLnBrk="0" hangingPunct="1">
-              <a:lnSpc>
-                <a:spcPct val="90000"/>
-              </a:lnSpc>
-              <a:spcBef>
-                <a:spcPts val="500"/>
-              </a:spcBef>
-              <a:buFont typeface="Arial" panose="020B0604020202020204" pitchFamily="34" charset="0"/>
-              <a:buChar char="•"/>
-              <a:defRPr sz="1800" kern="1200">
-                <a:solidFill>
-                  <a:schemeClr val="tx1"/>
-                </a:solidFill>
-                <a:latin typeface="+mn-lt"/>
-                <a:ea typeface="+mn-ea"/>
-                <a:cs typeface="+mn-cs"/>
-              </a:defRPr>
-            </a:lvl4pPr>
-            <a:lvl5pPr marL="2057400" indent="-228600" algn="l" defTabSz="914400" rtl="0" eaLnBrk="1" latinLnBrk="0" hangingPunct="1">
-              <a:lnSpc>
-                <a:spcPct val="90000"/>
-              </a:lnSpc>
-              <a:spcBef>
-                <a:spcPts val="500"/>
-              </a:spcBef>
-              <a:buFont typeface="Arial" panose="020B0604020202020204" pitchFamily="34" charset="0"/>
-              <a:buChar char="•"/>
-              <a:defRPr sz="1800" kern="1200">
-                <a:solidFill>
-                  <a:schemeClr val="tx1"/>
-                </a:solidFill>
-                <a:latin typeface="+mn-lt"/>
-                <a:ea typeface="+mn-ea"/>
-                <a:cs typeface="+mn-cs"/>
-              </a:defRPr>
-            </a:lvl5pPr>
-            <a:lvl6pPr marL="2514600" indent="-228600" algn="l" defTabSz="914400" rtl="0" eaLnBrk="1" latinLnBrk="0" hangingPunct="1">
-              <a:lnSpc>
-                <a:spcPct val="90000"/>
-              </a:lnSpc>
-              <a:spcBef>
-                <a:spcPts val="500"/>
-              </a:spcBef>
-              <a:buFont typeface="Arial" panose="020B0604020202020204" pitchFamily="34" charset="0"/>
-              <a:buChar char="•"/>
-              <a:defRPr sz="1800" kern="1200">
-                <a:solidFill>
-                  <a:schemeClr val="tx1"/>
-                </a:solidFill>
-                <a:latin typeface="+mn-lt"/>
-                <a:ea typeface="+mn-ea"/>
-                <a:cs typeface="+mn-cs"/>
-              </a:defRPr>
-            </a:lvl6pPr>
-            <a:lvl7pPr marL="2971800" indent="-228600" algn="l" defTabSz="914400" rtl="0" eaLnBrk="1" latinLnBrk="0" hangingPunct="1">
-              <a:lnSpc>
-                <a:spcPct val="90000"/>
-              </a:lnSpc>
-              <a:spcBef>
-                <a:spcPts val="500"/>
-              </a:spcBef>
-              <a:buFont typeface="Arial" panose="020B0604020202020204" pitchFamily="34" charset="0"/>
-              <a:buChar char="•"/>
-              <a:defRPr sz="1800" kern="1200">
-                <a:solidFill>
-                  <a:schemeClr val="tx1"/>
-                </a:solidFill>
-                <a:latin typeface="+mn-lt"/>
-                <a:ea typeface="+mn-ea"/>
-                <a:cs typeface="+mn-cs"/>
-              </a:defRPr>
-            </a:lvl7pPr>
-            <a:lvl8pPr marL="3429000" indent="-228600" algn="l" defTabSz="914400" rtl="0" eaLnBrk="1" latinLnBrk="0" hangingPunct="1">
-              <a:lnSpc>
-                <a:spcPct val="90000"/>
-              </a:lnSpc>
-              <a:spcBef>
-                <a:spcPts val="500"/>
-              </a:spcBef>
-              <a:buFont typeface="Arial" panose="020B0604020202020204" pitchFamily="34" charset="0"/>
-              <a:buChar char="•"/>
-              <a:defRPr sz="1800" kern="1200">
-                <a:solidFill>
-                  <a:schemeClr val="tx1"/>
-                </a:solidFill>
-                <a:latin typeface="+mn-lt"/>
-                <a:ea typeface="+mn-ea"/>
-                <a:cs typeface="+mn-cs"/>
-              </a:defRPr>
-            </a:lvl8pPr>
-            <a:lvl9pPr marL="3886200" indent="-228600" algn="l" defTabSz="914400" rtl="0" eaLnBrk="1" latinLnBrk="0" hangingPunct="1">
-              <a:lnSpc>
-                <a:spcPct val="90000"/>
-              </a:lnSpc>
-              <a:spcBef>
-                <a:spcPts val="500"/>
-              </a:spcBef>
-              <a:buFont typeface="Arial" panose="020B0604020202020204" pitchFamily="34" charset="0"/>
-              <a:buChar char="•"/>
-              <a:defRPr sz="1800" kern="1200">
-                <a:solidFill>
-                  <a:schemeClr val="tx1"/>
-                </a:solidFill>
-                <a:latin typeface="+mn-lt"/>
-                <a:ea typeface="+mn-ea"/>
-                <a:cs typeface="+mn-cs"/>
-              </a:defRPr>
-            </a:lvl9pPr>
-          </a:lstStyle>
-          <a:p>
-            <a:pPr marL="0" indent="0">
-              <a:buFont typeface="Arial" panose="020B0604020202020204" pitchFamily="34" charset="0"/>
-              <a:buNone/>
-            </a:pPr>
-            <a:endParaRPr lang="de-CH" dirty="0"/>
-          </a:p>
-        </p:txBody>
-      </p:sp>
-      <p:sp>
-        <p:nvSpPr>
-          <p:cNvPr id="9" name="Rechteck 8"/>
-          <p:cNvSpPr/>
-          <p:nvPr/>
-        </p:nvSpPr>
-        <p:spPr>
-          <a:xfrm flipH="1">
-            <a:off x="3911600" y="1696720"/>
-            <a:ext cx="71120" cy="3684734"/>
-          </a:xfrm>
-          <a:prstGeom prst="rect">
-            <a:avLst/>
-          </a:prstGeom>
-          <a:solidFill>
-            <a:schemeClr val="bg1"/>
-          </a:solidFill>
-          <a:ln>
-            <a:solidFill>
-              <a:schemeClr val="bg1"/>
-            </a:solidFill>
-          </a:ln>
-        </p:spPr>
-        <p:style>
-          <a:lnRef idx="2">
-            <a:schemeClr val="accent1">
-              <a:shade val="50000"/>
-            </a:schemeClr>
-          </a:lnRef>
-          <a:fillRef idx="1">
-            <a:schemeClr val="accent1"/>
-          </a:fillRef>
-          <a:effectRef idx="0">
-            <a:schemeClr val="accent1"/>
-          </a:effectRef>
-          <a:fontRef idx="minor">
-            <a:schemeClr val="lt1"/>
-          </a:fontRef>
-        </p:style>
-        <p:txBody>
-          <a:bodyPr rtlCol="0" anchor="ctr"/>
-          <a:lstStyle/>
-          <a:p>
-            <a:pPr algn="ctr"/>
-            <a:endParaRPr lang="de-CH"/>
-          </a:p>
-        </p:txBody>
-      </p:sp>
-      <p:sp>
-        <p:nvSpPr>
-          <p:cNvPr id="10" name="Rechteck 9"/>
-          <p:cNvSpPr/>
-          <p:nvPr/>
-        </p:nvSpPr>
-        <p:spPr>
-          <a:xfrm flipH="1">
-            <a:off x="3895464" y="1524000"/>
-            <a:ext cx="71120" cy="3684734"/>
-          </a:xfrm>
-          <a:prstGeom prst="rect">
-            <a:avLst/>
-          </a:prstGeom>
-          <a:solidFill>
-            <a:schemeClr val="bg1"/>
-          </a:solidFill>
-          <a:ln>
-            <a:solidFill>
-              <a:schemeClr val="bg1"/>
-            </a:solidFill>
-          </a:ln>
-        </p:spPr>
-        <p:style>
-          <a:lnRef idx="2">
-            <a:schemeClr val="accent1">
-              <a:shade val="50000"/>
-            </a:schemeClr>
-          </a:lnRef>
-          <a:fillRef idx="1">
-            <a:schemeClr val="accent1"/>
-          </a:fillRef>
-          <a:effectRef idx="0">
-            <a:schemeClr val="accent1"/>
-          </a:effectRef>
-          <a:fontRef idx="minor">
-            <a:schemeClr val="lt1"/>
-          </a:fontRef>
-        </p:style>
-        <p:txBody>
-          <a:bodyPr rtlCol="0" anchor="ctr"/>
-          <a:lstStyle/>
-          <a:p>
-            <a:pPr algn="ctr"/>
-            <a:endParaRPr lang="de-CH"/>
-          </a:p>
-        </p:txBody>
-      </p:sp>
-      <p:sp>
-        <p:nvSpPr>
-          <p:cNvPr id="11" name="Rechteck 10"/>
-          <p:cNvSpPr/>
-          <p:nvPr/>
-        </p:nvSpPr>
-        <p:spPr>
-          <a:xfrm flipH="1">
-            <a:off x="3867972" y="2570480"/>
-            <a:ext cx="71120" cy="3684734"/>
-          </a:xfrm>
-          <a:prstGeom prst="rect">
-            <a:avLst/>
-          </a:prstGeom>
-          <a:solidFill>
-            <a:schemeClr val="bg1"/>
-          </a:solidFill>
-          <a:ln>
-            <a:solidFill>
-              <a:schemeClr val="bg1"/>
-            </a:solidFill>
-          </a:ln>
-        </p:spPr>
-        <p:style>
-          <a:lnRef idx="2">
-            <a:schemeClr val="accent1">
-              <a:shade val="50000"/>
-            </a:schemeClr>
-          </a:lnRef>
-          <a:fillRef idx="1">
-            <a:schemeClr val="accent1"/>
-          </a:fillRef>
-          <a:effectRef idx="0">
-            <a:schemeClr val="accent1"/>
-          </a:effectRef>
-          <a:fontRef idx="minor">
-            <a:schemeClr val="lt1"/>
-          </a:fontRef>
-        </p:style>
-        <p:txBody>
-          <a:bodyPr rtlCol="0" anchor="ctr"/>
-          <a:lstStyle/>
-          <a:p>
-            <a:pPr algn="ctr"/>
-            <a:endParaRPr lang="de-CH"/>
-          </a:p>
-        </p:txBody>
-      </p:sp>
-      <p:sp>
-        <p:nvSpPr>
-          <p:cNvPr id="12" name="Rechteck 11"/>
-          <p:cNvSpPr/>
-          <p:nvPr/>
-        </p:nvSpPr>
-        <p:spPr>
-          <a:xfrm flipV="1">
-            <a:off x="3819264" y="6369963"/>
-            <a:ext cx="152400" cy="115942"/>
-          </a:xfrm>
-          <a:prstGeom prst="rect">
-            <a:avLst/>
-          </a:prstGeom>
-          <a:solidFill>
-            <a:schemeClr val="bg1"/>
-          </a:solidFill>
-          <a:ln>
-            <a:solidFill>
-              <a:schemeClr val="bg1"/>
-            </a:solidFill>
-          </a:ln>
-        </p:spPr>
-        <p:style>
-          <a:lnRef idx="2">
-            <a:schemeClr val="accent1">
-              <a:shade val="50000"/>
-            </a:schemeClr>
-          </a:lnRef>
-          <a:fillRef idx="1">
-            <a:schemeClr val="accent1"/>
-          </a:fillRef>
-          <a:effectRef idx="0">
-            <a:schemeClr val="accent1"/>
-          </a:effectRef>
-          <a:fontRef idx="minor">
-            <a:schemeClr val="lt1"/>
-          </a:fontRef>
-        </p:style>
-        <p:txBody>
-          <a:bodyPr rtlCol="0" anchor="ctr"/>
-          <a:lstStyle/>
-          <a:p>
-            <a:pPr algn="ctr"/>
-            <a:endParaRPr lang="de-CH"/>
-          </a:p>
-        </p:txBody>
-      </p:sp>
-      <p:sp>
-        <p:nvSpPr>
-          <p:cNvPr id="14" name="Rechteck 13"/>
-          <p:cNvSpPr/>
-          <p:nvPr/>
-        </p:nvSpPr>
-        <p:spPr>
-          <a:xfrm flipV="1">
-            <a:off x="3819264" y="6328370"/>
-            <a:ext cx="152400" cy="115942"/>
-          </a:xfrm>
-          <a:prstGeom prst="rect">
-            <a:avLst/>
-          </a:prstGeom>
-          <a:solidFill>
-            <a:schemeClr val="bg1"/>
-          </a:solidFill>
-          <a:ln>
-            <a:solidFill>
-              <a:schemeClr val="bg1"/>
-            </a:solidFill>
-          </a:ln>
-        </p:spPr>
-        <p:style>
-          <a:lnRef idx="2">
-            <a:schemeClr val="accent1">
-              <a:shade val="50000"/>
-            </a:schemeClr>
-          </a:lnRef>
-          <a:fillRef idx="1">
-            <a:schemeClr val="accent1"/>
-          </a:fillRef>
-          <a:effectRef idx="0">
-            <a:schemeClr val="accent1"/>
-          </a:effectRef>
-          <a:fontRef idx="minor">
-            <a:schemeClr val="lt1"/>
-          </a:fontRef>
-        </p:style>
-        <p:txBody>
-          <a:bodyPr rtlCol="0" anchor="ctr"/>
-          <a:lstStyle/>
-          <a:p>
-            <a:pPr algn="ctr"/>
-            <a:endParaRPr lang="de-CH"/>
-          </a:p>
-        </p:txBody>
-      </p:sp>
-      <p:sp>
-        <p:nvSpPr>
-          <p:cNvPr id="15" name="Rechteck 14"/>
-          <p:cNvSpPr/>
-          <p:nvPr/>
-        </p:nvSpPr>
-        <p:spPr>
-          <a:xfrm flipH="1" flipV="1">
-            <a:off x="2163184" y="6490930"/>
-            <a:ext cx="152400" cy="193040"/>
-          </a:xfrm>
-          <a:prstGeom prst="rect">
-            <a:avLst/>
-          </a:prstGeom>
-          <a:solidFill>
-            <a:schemeClr val="bg1"/>
-          </a:solidFill>
-          <a:ln>
-            <a:solidFill>
-              <a:schemeClr val="bg1"/>
-            </a:solidFill>
-          </a:ln>
-        </p:spPr>
-        <p:style>
-          <a:lnRef idx="2">
-            <a:schemeClr val="accent1">
-              <a:shade val="50000"/>
-            </a:schemeClr>
-          </a:lnRef>
-          <a:fillRef idx="1">
-            <a:schemeClr val="accent1"/>
-          </a:fillRef>
-          <a:effectRef idx="0">
-            <a:schemeClr val="accent1"/>
-          </a:effectRef>
-          <a:fontRef idx="minor">
-            <a:schemeClr val="lt1"/>
-          </a:fontRef>
-        </p:style>
-        <p:txBody>
-          <a:bodyPr rtlCol="0" anchor="ctr"/>
-          <a:lstStyle/>
-          <a:p>
-            <a:pPr algn="ctr"/>
-            <a:endParaRPr lang="de-CH"/>
-          </a:p>
-        </p:txBody>
-      </p:sp>
-      <p:sp>
-        <p:nvSpPr>
-          <p:cNvPr id="17" name="Rechteck 16"/>
-          <p:cNvSpPr/>
-          <p:nvPr/>
-        </p:nvSpPr>
-        <p:spPr>
-          <a:xfrm flipV="1">
-            <a:off x="3819264" y="1295652"/>
-            <a:ext cx="376816" cy="155192"/>
-          </a:xfrm>
-          <a:prstGeom prst="rect">
-            <a:avLst/>
-          </a:prstGeom>
-          <a:solidFill>
-            <a:schemeClr val="bg1"/>
-          </a:solidFill>
-          <a:ln>
-            <a:solidFill>
-              <a:schemeClr val="bg1"/>
-            </a:solidFill>
-          </a:ln>
-        </p:spPr>
-        <p:style>
-          <a:lnRef idx="2">
-            <a:schemeClr val="accent1">
-              <a:shade val="50000"/>
-            </a:schemeClr>
-          </a:lnRef>
-          <a:fillRef idx="1">
-            <a:schemeClr val="accent1"/>
-          </a:fillRef>
-          <a:effectRef idx="0">
-            <a:schemeClr val="accent1"/>
-          </a:effectRef>
-          <a:fontRef idx="minor">
-            <a:schemeClr val="lt1"/>
-          </a:fontRef>
-        </p:style>
-        <p:txBody>
-          <a:bodyPr rtlCol="0" anchor="ctr"/>
-          <a:lstStyle/>
-          <a:p>
-            <a:pPr algn="ctr"/>
-            <a:endParaRPr lang="de-CH"/>
-          </a:p>
-        </p:txBody>
-      </p:sp>
-      <p:sp>
-        <p:nvSpPr>
-          <p:cNvPr id="13" name="Inhaltsplatzhalter 2"/>
-          <p:cNvSpPr txBox="1">
-            <a:spLocks/>
-          </p:cNvSpPr>
-          <p:nvPr/>
-        </p:nvSpPr>
-        <p:spPr>
-          <a:xfrm>
-            <a:off x="1378800" y="1231200"/>
-            <a:ext cx="10515600" cy="4351338"/>
-          </a:xfrm>
-          <a:prstGeom prst="rect">
-            <a:avLst/>
-          </a:prstGeom>
-        </p:spPr>
-        <p:txBody>
-          <a:bodyPr vert="horz" lIns="91440" tIns="45720" rIns="91440" bIns="45720" rtlCol="0">
-            <a:normAutofit/>
-          </a:bodyPr>
-          <a:lstStyle>
-            <a:lvl1pPr marL="228600" indent="-228600" algn="l" defTabSz="914400" rtl="0" eaLnBrk="1" latinLnBrk="0" hangingPunct="1">
-              <a:lnSpc>
-                <a:spcPct val="90000"/>
-              </a:lnSpc>
-              <a:spcBef>
-                <a:spcPts val="1000"/>
-              </a:spcBef>
-              <a:buFont typeface="Arial" panose="020B0604020202020204" pitchFamily="34" charset="0"/>
-              <a:buChar char="•"/>
-              <a:defRPr sz="2800" kern="1200">
-                <a:solidFill>
-                  <a:schemeClr val="tx1"/>
-                </a:solidFill>
-                <a:latin typeface="+mn-lt"/>
-                <a:ea typeface="+mn-ea"/>
-                <a:cs typeface="+mn-cs"/>
-              </a:defRPr>
-            </a:lvl1pPr>
-            <a:lvl2pPr marL="685800" indent="-228600" algn="l" defTabSz="914400" rtl="0" eaLnBrk="1" latinLnBrk="0" hangingPunct="1">
-              <a:lnSpc>
-                <a:spcPct val="90000"/>
-              </a:lnSpc>
-              <a:spcBef>
-                <a:spcPts val="500"/>
-              </a:spcBef>
-              <a:buFont typeface="Arial" panose="020B0604020202020204" pitchFamily="34" charset="0"/>
-              <a:buChar char="•"/>
-              <a:defRPr sz="2400" kern="1200">
-                <a:solidFill>
-                  <a:schemeClr val="tx1"/>
-                </a:solidFill>
-                <a:latin typeface="+mn-lt"/>
-                <a:ea typeface="+mn-ea"/>
-                <a:cs typeface="+mn-cs"/>
-              </a:defRPr>
-            </a:lvl2pPr>
-            <a:lvl3pPr marL="1143000" indent="-228600" algn="l" defTabSz="914400" rtl="0" eaLnBrk="1" latinLnBrk="0" hangingPunct="1">
-              <a:lnSpc>
-                <a:spcPct val="90000"/>
-              </a:lnSpc>
-              <a:spcBef>
-                <a:spcPts val="500"/>
-              </a:spcBef>
-              <a:buFont typeface="Arial" panose="020B0604020202020204" pitchFamily="34" charset="0"/>
-              <a:buChar char="•"/>
-              <a:defRPr sz="2000" kern="1200">
-                <a:solidFill>
-                  <a:schemeClr val="tx1"/>
-                </a:solidFill>
-                <a:latin typeface="+mn-lt"/>
-                <a:ea typeface="+mn-ea"/>
-                <a:cs typeface="+mn-cs"/>
-              </a:defRPr>
-            </a:lvl3pPr>
-            <a:lvl4pPr marL="1600200" indent="-228600" algn="l" defTabSz="914400" rtl="0" eaLnBrk="1" latinLnBrk="0" hangingPunct="1">
-              <a:lnSpc>
-                <a:spcPct val="90000"/>
-              </a:lnSpc>
-              <a:spcBef>
-                <a:spcPts val="500"/>
-              </a:spcBef>
-              <a:buFont typeface="Arial" panose="020B0604020202020204" pitchFamily="34" charset="0"/>
-              <a:buChar char="•"/>
-              <a:defRPr sz="1800" kern="1200">
-                <a:solidFill>
-                  <a:schemeClr val="tx1"/>
-                </a:solidFill>
-                <a:latin typeface="+mn-lt"/>
-                <a:ea typeface="+mn-ea"/>
-                <a:cs typeface="+mn-cs"/>
-              </a:defRPr>
-            </a:lvl4pPr>
-            <a:lvl5pPr marL="2057400" indent="-228600" algn="l" defTabSz="914400" rtl="0" eaLnBrk="1" latinLnBrk="0" hangingPunct="1">
-              <a:lnSpc>
-                <a:spcPct val="90000"/>
-              </a:lnSpc>
-              <a:spcBef>
-                <a:spcPts val="500"/>
-              </a:spcBef>
-              <a:buFont typeface="Arial" panose="020B0604020202020204" pitchFamily="34" charset="0"/>
-              <a:buChar char="•"/>
-              <a:defRPr sz="1800" kern="1200">
-                <a:solidFill>
-                  <a:schemeClr val="tx1"/>
-                </a:solidFill>
-                <a:latin typeface="+mn-lt"/>
-                <a:ea typeface="+mn-ea"/>
-                <a:cs typeface="+mn-cs"/>
-              </a:defRPr>
-            </a:lvl5pPr>
-            <a:lvl6pPr marL="2514600" indent="-228600" algn="l" defTabSz="914400" rtl="0" eaLnBrk="1" latinLnBrk="0" hangingPunct="1">
-              <a:lnSpc>
-                <a:spcPct val="90000"/>
-              </a:lnSpc>
-              <a:spcBef>
-                <a:spcPts val="500"/>
-              </a:spcBef>
-              <a:buFont typeface="Arial" panose="020B0604020202020204" pitchFamily="34" charset="0"/>
-              <a:buChar char="•"/>
-              <a:defRPr sz="1800" kern="1200">
-                <a:solidFill>
-                  <a:schemeClr val="tx1"/>
-                </a:solidFill>
-                <a:latin typeface="+mn-lt"/>
-                <a:ea typeface="+mn-ea"/>
-                <a:cs typeface="+mn-cs"/>
-              </a:defRPr>
-            </a:lvl6pPr>
-            <a:lvl7pPr marL="2971800" indent="-228600" algn="l" defTabSz="914400" rtl="0" eaLnBrk="1" latinLnBrk="0" hangingPunct="1">
-              <a:lnSpc>
-                <a:spcPct val="90000"/>
-              </a:lnSpc>
-              <a:spcBef>
-                <a:spcPts val="500"/>
-              </a:spcBef>
-              <a:buFont typeface="Arial" panose="020B0604020202020204" pitchFamily="34" charset="0"/>
-              <a:buChar char="•"/>
-              <a:defRPr sz="1800" kern="1200">
-                <a:solidFill>
-                  <a:schemeClr val="tx1"/>
-                </a:solidFill>
-                <a:latin typeface="+mn-lt"/>
-                <a:ea typeface="+mn-ea"/>
-                <a:cs typeface="+mn-cs"/>
-              </a:defRPr>
-            </a:lvl7pPr>
-            <a:lvl8pPr marL="3429000" indent="-228600" algn="l" defTabSz="914400" rtl="0" eaLnBrk="1" latinLnBrk="0" hangingPunct="1">
-              <a:lnSpc>
-                <a:spcPct val="90000"/>
-              </a:lnSpc>
-              <a:spcBef>
-                <a:spcPts val="500"/>
-              </a:spcBef>
-              <a:buFont typeface="Arial" panose="020B0604020202020204" pitchFamily="34" charset="0"/>
-              <a:buChar char="•"/>
-              <a:defRPr sz="1800" kern="1200">
-                <a:solidFill>
-                  <a:schemeClr val="tx1"/>
-                </a:solidFill>
-                <a:latin typeface="+mn-lt"/>
-                <a:ea typeface="+mn-ea"/>
-                <a:cs typeface="+mn-cs"/>
-              </a:defRPr>
-            </a:lvl8pPr>
-            <a:lvl9pPr marL="3886200" indent="-228600" algn="l" defTabSz="914400" rtl="0" eaLnBrk="1" latinLnBrk="0" hangingPunct="1">
-              <a:lnSpc>
-                <a:spcPct val="90000"/>
-              </a:lnSpc>
-              <a:spcBef>
-                <a:spcPts val="500"/>
-              </a:spcBef>
-              <a:buFont typeface="Arial" panose="020B0604020202020204" pitchFamily="34" charset="0"/>
-              <a:buChar char="•"/>
-              <a:defRPr sz="1800" kern="1200">
-                <a:solidFill>
-                  <a:schemeClr val="tx1"/>
-                </a:solidFill>
-                <a:latin typeface="+mn-lt"/>
-                <a:ea typeface="+mn-ea"/>
-                <a:cs typeface="+mn-cs"/>
-              </a:defRPr>
-            </a:lvl9pPr>
-          </a:lstStyle>
-          <a:p>
-            <a:endParaRPr lang="de-CH" sz="2400" dirty="0" smtClean="0"/>
-          </a:p>
-        </p:txBody>
-      </p:sp>
-    </p:spTree>
-    <p:extLst>
-      <p:ext uri="{BB962C8B-B14F-4D97-AF65-F5344CB8AC3E}">
-        <p14:creationId xmlns:p14="http://schemas.microsoft.com/office/powerpoint/2010/main" val="1510659187"/>
-      </p:ext>
-    </p:extLst>
-  </p:cSld>
-  <p:clrMapOvr>
-    <a:masterClrMapping/>
-  </p:clrMapOvr>
-  <p:timing>
-    <p:tnLst>
-      <p:par>
-        <p:cTn id="1" dur="indefinite" restart="never" nodeType="tmRoot"/>
-      </p:par>
-    </p:tnLst>
-  </p:timing>
 </p:sld>
 </file>
 
